--- a/FASE 2/PRESENTACIÓN CAPSTONE F2 “Proyecto FixSpot”.pptx
+++ b/FASE 2/PRESENTACIÓN CAPSTONE F2 “Proyecto FixSpot”.pptx
@@ -20,17 +20,16 @@
     <p:sldId id="265" r:id="rId15"/>
     <p:sldId id="266" r:id="rId16"/>
     <p:sldId id="267" r:id="rId17"/>
-    <p:sldId id="268" r:id="rId18"/>
   </p:sldIdLst>
   <p:sldSz cy="5143500" cx="9144000"/>
   <p:notesSz cx="6858000" cy="9144000"/>
   <p:embeddedFontLst>
     <p:embeddedFont>
       <p:font typeface="Raleway"/>
-      <p:regular r:id="rId19"/>
-      <p:bold r:id="rId20"/>
-      <p:italic r:id="rId21"/>
-      <p:boldItalic r:id="rId22"/>
+      <p:regular r:id="rId18"/>
+      <p:bold r:id="rId19"/>
+      <p:italic r:id="rId20"/>
+      <p:boldItalic r:id="rId21"/>
     </p:embeddedFont>
   </p:embeddedFontLst>
   <p:defaultTextStyle>
@@ -811,7 +810,7 @@
   <p:cSld>
     <p:spTree>
       <p:nvGrpSpPr>
-        <p:cNvPr id="139" name="Shape 139"/>
+        <p:cNvPr id="137" name="Shape 137"/>
         <p:cNvGrpSpPr/>
         <p:nvPr/>
       </p:nvGrpSpPr>
@@ -825,7 +824,7 @@
       </p:grpSpPr>
       <p:sp>
         <p:nvSpPr>
-          <p:cNvPr id="140" name="Google Shape;140;g37d33b40b4f_0_204:notes"/>
+          <p:cNvPr id="138" name="Google Shape;138;g37d33b40b4f_0_204:notes"/>
           <p:cNvSpPr/>
           <p:nvPr>
             <p:ph idx="2" type="sldImg"/>
@@ -860,7 +859,7 @@
       </p:sp>
       <p:sp>
         <p:nvSpPr>
-          <p:cNvPr id="141" name="Google Shape;141;g37d33b40b4f_0_204:notes"/>
+          <p:cNvPr id="139" name="Google Shape;139;g37d33b40b4f_0_204:notes"/>
           <p:cNvSpPr txBox="1"/>
           <p:nvPr>
             <p:ph idx="1" type="body"/>
@@ -910,7 +909,7 @@
   <p:cSld>
     <p:spTree>
       <p:nvGrpSpPr>
-        <p:cNvPr id="148" name="Shape 148"/>
+        <p:cNvPr id="146" name="Shape 146"/>
         <p:cNvGrpSpPr/>
         <p:nvPr/>
       </p:nvGrpSpPr>
@@ -924,7 +923,7 @@
       </p:grpSpPr>
       <p:sp>
         <p:nvSpPr>
-          <p:cNvPr id="149" name="Google Shape;149;g38d26a5c8d1_0_21:notes"/>
+          <p:cNvPr id="147" name="Google Shape;147;g389af47e149_0_5:notes"/>
           <p:cNvSpPr/>
           <p:nvPr>
             <p:ph idx="2" type="sldImg"/>
@@ -959,7 +958,7 @@
       </p:sp>
       <p:sp>
         <p:nvSpPr>
-          <p:cNvPr id="150" name="Google Shape;150;g38d26a5c8d1_0_21:notes"/>
+          <p:cNvPr id="148" name="Google Shape;148;g389af47e149_0_5:notes"/>
           <p:cNvSpPr txBox="1"/>
           <p:nvPr>
             <p:ph idx="1" type="body"/>
@@ -1023,7 +1022,7 @@
       </p:grpSpPr>
       <p:sp>
         <p:nvSpPr>
-          <p:cNvPr id="154" name="Google Shape;154;g37d33b40b4f_0_195:notes"/>
+          <p:cNvPr id="154" name="Google Shape;154;g37d33b40b4f_0_217:notes"/>
           <p:cNvSpPr/>
           <p:nvPr>
             <p:ph idx="2" type="sldImg"/>
@@ -1058,106 +1057,7 @@
       </p:sp>
       <p:sp>
         <p:nvSpPr>
-          <p:cNvPr id="155" name="Google Shape;155;g37d33b40b4f_0_195:notes"/>
-          <p:cNvSpPr txBox="1"/>
-          <p:nvPr>
-            <p:ph idx="1" type="body"/>
-          </p:nvPr>
-        </p:nvSpPr>
-        <p:spPr>
-          <a:xfrm>
-            <a:off x="685800" y="4343400"/>
-            <a:ext cx="5486400" cy="4114800"/>
-          </a:xfrm>
-          <a:prstGeom prst="rect">
-            <a:avLst/>
-          </a:prstGeom>
-        </p:spPr>
-        <p:txBody>
-          <a:bodyPr anchorCtr="0" anchor="t" bIns="91425" lIns="91425" spcFirstLastPara="1" rIns="91425" wrap="square" tIns="91425">
-            <a:noAutofit/>
-          </a:bodyPr>
-          <a:lstStyle/>
-          <a:p>
-            <a:pPr indent="0" lvl="0" marL="0" rtl="0" algn="l">
-              <a:spcBef>
-                <a:spcPts val="0"/>
-              </a:spcBef>
-              <a:spcAft>
-                <a:spcPts val="0"/>
-              </a:spcAft>
-              <a:buNone/>
-            </a:pPr>
-            <a:r>
-              <a:t/>
-            </a:r>
-            <a:endParaRPr/>
-          </a:p>
-        </p:txBody>
-      </p:sp>
-    </p:spTree>
-  </p:cSld>
-  <p:clrMapOvr>
-    <a:masterClrMapping/>
-  </p:clrMapOvr>
-</p:notes>
-</file>
-
-<file path=ppt/notesSlides/notesSlide13.xml><?xml version="1.0" encoding="utf-8"?>
-<p:notes xmlns:a="http://schemas.openxmlformats.org/drawingml/2006/main" xmlns:r="http://schemas.openxmlformats.org/officeDocument/2006/relationships" xmlns:mc="http://schemas.openxmlformats.org/markup-compatibility/2006" xmlns:mv="urn:schemas-microsoft-com:mac:vml" xmlns:p="http://schemas.openxmlformats.org/presentationml/2006/main" xmlns:c="http://schemas.openxmlformats.org/drawingml/2006/chart" xmlns:dgm="http://schemas.openxmlformats.org/drawingml/2006/diagram" xmlns:o="urn:schemas-microsoft-com:office:office" xmlns:v="urn:schemas-microsoft-com:vml" xmlns:pvml="urn:schemas-microsoft-com:office:powerpoint" xmlns:com="http://schemas.openxmlformats.org/drawingml/2006/compatibility" xmlns:p14="http://schemas.microsoft.com/office/powerpoint/2010/main" xmlns:p15="http://schemas.microsoft.com/office/powerpoint/2012/main" xmlns:ahyp="http://schemas.microsoft.com/office/drawing/2018/hyperlinkcolor" showMasterPhAnim="0" showMasterSp="0">
-  <p:cSld>
-    <p:spTree>
-      <p:nvGrpSpPr>
-        <p:cNvPr id="160" name="Shape 160"/>
-        <p:cNvGrpSpPr/>
-        <p:nvPr/>
-      </p:nvGrpSpPr>
-      <p:grpSpPr>
-        <a:xfrm>
-          <a:off x="0" y="0"/>
-          <a:ext cx="0" cy="0"/>
-          <a:chOff x="0" y="0"/>
-          <a:chExt cx="0" cy="0"/>
-        </a:xfrm>
-      </p:grpSpPr>
-      <p:sp>
-        <p:nvSpPr>
-          <p:cNvPr id="161" name="Google Shape;161;g37d33b40b4f_0_217:notes"/>
-          <p:cNvSpPr/>
-          <p:nvPr>
-            <p:ph idx="2" type="sldImg"/>
-          </p:nvPr>
-        </p:nvSpPr>
-        <p:spPr>
-          <a:xfrm>
-            <a:off x="381300" y="685800"/>
-            <a:ext cx="6096000" cy="3429000"/>
-          </a:xfrm>
-          <a:custGeom>
-            <a:rect b="b" l="l" r="r" t="t"/>
-            <a:pathLst>
-              <a:path extrusionOk="0" h="120000" w="120000">
-                <a:moveTo>
-                  <a:pt x="0" y="0"/>
-                </a:moveTo>
-                <a:lnTo>
-                  <a:pt x="120000" y="0"/>
-                </a:lnTo>
-                <a:lnTo>
-                  <a:pt x="120000" y="120000"/>
-                </a:lnTo>
-                <a:lnTo>
-                  <a:pt x="0" y="120000"/>
-                </a:lnTo>
-                <a:close/>
-              </a:path>
-            </a:pathLst>
-          </a:custGeom>
-        </p:spPr>
-      </p:sp>
-      <p:sp>
-        <p:nvSpPr>
-          <p:cNvPr id="162" name="Google Shape;162;g37d33b40b4f_0_217:notes"/>
+          <p:cNvPr id="155" name="Google Shape;155;g37d33b40b4f_0_217:notes"/>
           <p:cNvSpPr txBox="1"/>
           <p:nvPr>
             <p:ph idx="1" type="body"/>
@@ -1419,7 +1319,7 @@
       </p:grpSpPr>
       <p:sp>
         <p:nvSpPr>
-          <p:cNvPr id="97" name="Google Shape;97;g37d33b40b4f_0_113:notes"/>
+          <p:cNvPr id="97" name="Google Shape;97;g37d33b40b4f_0_164:notes"/>
           <p:cNvSpPr/>
           <p:nvPr>
             <p:ph idx="2" type="sldImg"/>
@@ -1454,7 +1354,7 @@
       </p:sp>
       <p:sp>
         <p:nvSpPr>
-          <p:cNvPr id="98" name="Google Shape;98;g37d33b40b4f_0_113:notes"/>
+          <p:cNvPr id="98" name="Google Shape;98;g37d33b40b4f_0_164:notes"/>
           <p:cNvSpPr txBox="1"/>
           <p:nvPr>
             <p:ph idx="1" type="body"/>
@@ -1518,7 +1418,7 @@
       </p:grpSpPr>
       <p:sp>
         <p:nvSpPr>
-          <p:cNvPr id="105" name="Google Shape;105;g37d33b40b4f_0_123:notes"/>
+          <p:cNvPr id="105" name="Google Shape;105;g37d33b40b4f_0_195:notes"/>
           <p:cNvSpPr/>
           <p:nvPr>
             <p:ph idx="2" type="sldImg"/>
@@ -1553,7 +1453,7 @@
       </p:sp>
       <p:sp>
         <p:nvSpPr>
-          <p:cNvPr id="106" name="Google Shape;106;g37d33b40b4f_0_123:notes"/>
+          <p:cNvPr id="106" name="Google Shape;106;g37d33b40b4f_0_195:notes"/>
           <p:cNvSpPr txBox="1"/>
           <p:nvPr>
             <p:ph idx="1" type="body"/>
@@ -1603,7 +1503,7 @@
   <p:cSld>
     <p:spTree>
       <p:nvGrpSpPr>
-        <p:cNvPr id="114" name="Shape 114"/>
+        <p:cNvPr id="111" name="Shape 111"/>
         <p:cNvGrpSpPr/>
         <p:nvPr/>
       </p:nvGrpSpPr>
@@ -1617,7 +1517,7 @@
       </p:grpSpPr>
       <p:sp>
         <p:nvSpPr>
-          <p:cNvPr id="115" name="Google Shape;115;g37d33b40b4f_0_164:notes"/>
+          <p:cNvPr id="112" name="Google Shape;112;g37d33b40b4f_0_227:notes"/>
           <p:cNvSpPr/>
           <p:nvPr>
             <p:ph idx="2" type="sldImg"/>
@@ -1652,7 +1552,7 @@
       </p:sp>
       <p:sp>
         <p:nvSpPr>
-          <p:cNvPr id="116" name="Google Shape;116;g37d33b40b4f_0_164:notes"/>
+          <p:cNvPr id="113" name="Google Shape;113;g37d33b40b4f_0_227:notes"/>
           <p:cNvSpPr txBox="1"/>
           <p:nvPr>
             <p:ph idx="1" type="body"/>
@@ -1702,7 +1602,7 @@
   <p:cSld>
     <p:spTree>
       <p:nvGrpSpPr>
-        <p:cNvPr id="122" name="Shape 122"/>
+        <p:cNvPr id="117" name="Shape 117"/>
         <p:cNvGrpSpPr/>
         <p:nvPr/>
       </p:nvGrpSpPr>
@@ -1716,7 +1616,7 @@
       </p:grpSpPr>
       <p:sp>
         <p:nvSpPr>
-          <p:cNvPr id="123" name="Google Shape;123;g37d33b40b4f_0_227:notes"/>
+          <p:cNvPr id="118" name="Google Shape;118;g37d33b40b4f_0_175:notes"/>
           <p:cNvSpPr/>
           <p:nvPr>
             <p:ph idx="2" type="sldImg"/>
@@ -1751,7 +1651,7 @@
       </p:sp>
       <p:sp>
         <p:nvSpPr>
-          <p:cNvPr id="124" name="Google Shape;124;g37d33b40b4f_0_227:notes"/>
+          <p:cNvPr id="119" name="Google Shape;119;g37d33b40b4f_0_175:notes"/>
           <p:cNvSpPr txBox="1"/>
           <p:nvPr>
             <p:ph idx="1" type="body"/>
@@ -1801,7 +1701,7 @@
   <p:cSld>
     <p:spTree>
       <p:nvGrpSpPr>
-        <p:cNvPr id="128" name="Shape 128"/>
+        <p:cNvPr id="123" name="Shape 123"/>
         <p:cNvGrpSpPr/>
         <p:nvPr/>
       </p:nvGrpSpPr>
@@ -1815,7 +1715,7 @@
       </p:grpSpPr>
       <p:sp>
         <p:nvSpPr>
-          <p:cNvPr id="129" name="Google Shape;129;g37d33b40b4f_0_175:notes"/>
+          <p:cNvPr id="124" name="Google Shape;124;g37d33b40b4f_0_183:notes"/>
           <p:cNvSpPr/>
           <p:nvPr>
             <p:ph idx="2" type="sldImg"/>
@@ -1850,7 +1750,7 @@
       </p:sp>
       <p:sp>
         <p:nvSpPr>
-          <p:cNvPr id="130" name="Google Shape;130;g37d33b40b4f_0_175:notes"/>
+          <p:cNvPr id="125" name="Google Shape;125;g37d33b40b4f_0_183:notes"/>
           <p:cNvSpPr txBox="1"/>
           <p:nvPr>
             <p:ph idx="1" type="body"/>
@@ -1900,7 +1800,7 @@
   <p:cSld>
     <p:spTree>
       <p:nvGrpSpPr>
-        <p:cNvPr id="134" name="Shape 134"/>
+        <p:cNvPr id="130" name="Shape 130"/>
         <p:cNvGrpSpPr/>
         <p:nvPr/>
       </p:nvGrpSpPr>
@@ -1914,7 +1814,7 @@
       </p:grpSpPr>
       <p:sp>
         <p:nvSpPr>
-          <p:cNvPr id="135" name="Google Shape;135;g37d33b40b4f_0_183:notes"/>
+          <p:cNvPr id="131" name="Google Shape;131;g389af47e149_0_0:notes"/>
           <p:cNvSpPr/>
           <p:nvPr>
             <p:ph idx="2" type="sldImg"/>
@@ -1949,7 +1849,7 @@
       </p:sp>
       <p:sp>
         <p:nvSpPr>
-          <p:cNvPr id="136" name="Google Shape;136;g37d33b40b4f_0_183:notes"/>
+          <p:cNvPr id="132" name="Google Shape;132;g389af47e149_0_0:notes"/>
           <p:cNvSpPr txBox="1"/>
           <p:nvPr>
             <p:ph idx="1" type="body"/>
@@ -7460,7 +7360,7 @@
               <a:buNone/>
             </a:pPr>
             <a:r>
-              <a:rPr b="1" lang="es" sz="1300" u="sng">
+              <a:rPr b="1" lang="es" sz="1200" u="sng">
                 <a:solidFill>
                   <a:schemeClr val="lt1"/>
                 </a:solidFill>
@@ -7468,14 +7368,14 @@
               <a:t>Integrantes:</a:t>
             </a:r>
             <a:br>
-              <a:rPr lang="es" sz="1300">
+              <a:rPr lang="es" sz="1200">
                 <a:solidFill>
                   <a:schemeClr val="lt1"/>
                 </a:solidFill>
               </a:rPr>
             </a:br>
             <a:r>
-              <a:rPr lang="es" sz="1300">
+              <a:rPr lang="es" sz="1200">
                 <a:solidFill>
                   <a:schemeClr val="lt1"/>
                 </a:solidFill>
@@ -7483,14 +7383,14 @@
               <a:t>-</a:t>
             </a:r>
             <a:r>
-              <a:rPr lang="es" sz="1300">
+              <a:rPr lang="es" sz="1200">
                 <a:solidFill>
                   <a:schemeClr val="lt1"/>
                 </a:solidFill>
               </a:rPr>
               <a:t>Exequiel Albornoz</a:t>
             </a:r>
-            <a:endParaRPr sz="1300">
+            <a:endParaRPr sz="1200">
               <a:solidFill>
                 <a:schemeClr val="lt1"/>
               </a:solidFill>
@@ -7507,7 +7407,7 @@
               <a:buNone/>
             </a:pPr>
             <a:r>
-              <a:rPr lang="es" sz="1300">
+              <a:rPr lang="es" sz="1200">
                 <a:solidFill>
                   <a:schemeClr val="lt1"/>
                 </a:solidFill>
@@ -7515,14 +7415,14 @@
               <a:t>-</a:t>
             </a:r>
             <a:r>
-              <a:rPr lang="es" sz="1300">
+              <a:rPr lang="es" sz="1200">
                 <a:solidFill>
                   <a:schemeClr val="lt1"/>
                 </a:solidFill>
               </a:rPr>
               <a:t>Jairo Marín</a:t>
             </a:r>
-            <a:endParaRPr sz="1300">
+            <a:endParaRPr sz="1200">
               <a:solidFill>
                 <a:schemeClr val="lt1"/>
               </a:solidFill>
@@ -7539,7 +7439,7 @@
               <a:buNone/>
             </a:pPr>
             <a:r>
-              <a:rPr lang="es" sz="1300">
+              <a:rPr lang="es" sz="1200">
                 <a:solidFill>
                   <a:schemeClr val="lt1"/>
                 </a:solidFill>
@@ -7547,14 +7447,14 @@
               <a:t>-</a:t>
             </a:r>
             <a:r>
-              <a:rPr lang="es" sz="1300">
+              <a:rPr lang="es" sz="1200">
                 <a:solidFill>
                   <a:schemeClr val="lt1"/>
                 </a:solidFill>
               </a:rPr>
               <a:t>Jeffrey Ramírez</a:t>
             </a:r>
-            <a:endParaRPr sz="1300">
+            <a:endParaRPr sz="1200">
               <a:solidFill>
                 <a:schemeClr val="lt1"/>
               </a:solidFill>
@@ -7571,7 +7471,7 @@
               <a:buNone/>
             </a:pPr>
             <a:r>
-              <a:rPr lang="es" sz="1300">
+              <a:rPr lang="es" sz="1200">
                 <a:solidFill>
                   <a:schemeClr val="lt1"/>
                 </a:solidFill>
@@ -7579,7 +7479,7 @@
               <a:t>-</a:t>
             </a:r>
             <a:r>
-              <a:rPr lang="es" sz="1300">
+              <a:rPr lang="es" sz="1200">
                 <a:solidFill>
                   <a:schemeClr val="lt1"/>
                 </a:solidFill>
@@ -7587,14 +7487,14 @@
               <a:t>Benjamín </a:t>
             </a:r>
             <a:r>
-              <a:rPr lang="es" sz="1300">
+              <a:rPr lang="es" sz="1200">
                 <a:solidFill>
                   <a:schemeClr val="lt1"/>
                 </a:solidFill>
               </a:rPr>
               <a:t>Órdenes</a:t>
             </a:r>
-            <a:endParaRPr sz="1300">
+            <a:endParaRPr sz="1200">
               <a:solidFill>
                 <a:schemeClr val="lt1"/>
               </a:solidFill>
@@ -7611,14 +7511,14 @@
               <a:buNone/>
             </a:pPr>
             <a:r>
-              <a:rPr b="1" lang="es" sz="1300" u="sng">
+              <a:rPr lang="es" sz="1200">
                 <a:solidFill>
                   <a:schemeClr val="lt1"/>
                 </a:solidFill>
               </a:rPr>
-              <a:t>Carrera:</a:t>
+              <a:t>-Carlos González</a:t>
             </a:r>
-            <a:endParaRPr b="1" sz="1300" u="sng">
+            <a:endParaRPr sz="1200">
               <a:solidFill>
                 <a:schemeClr val="lt1"/>
               </a:solidFill>
@@ -7635,14 +7535,14 @@
               <a:buNone/>
             </a:pPr>
             <a:r>
-              <a:rPr lang="es" sz="1300">
+              <a:rPr b="1" lang="es" sz="1200" u="sng">
                 <a:solidFill>
                   <a:schemeClr val="lt1"/>
                 </a:solidFill>
               </a:rPr>
-              <a:t>-Ingeniería en Informática</a:t>
+              <a:t>Carrera:</a:t>
             </a:r>
-            <a:endParaRPr sz="1300">
+            <a:endParaRPr b="1" sz="1200" u="sng">
               <a:solidFill>
                 <a:schemeClr val="lt1"/>
               </a:solidFill>
@@ -7659,14 +7559,14 @@
               <a:buNone/>
             </a:pPr>
             <a:r>
-              <a:rPr b="1" lang="es" sz="1300" u="sng">
+              <a:rPr lang="es" sz="1200">
                 <a:solidFill>
                   <a:schemeClr val="lt1"/>
                 </a:solidFill>
               </a:rPr>
-              <a:t>Sede:</a:t>
+              <a:t>-Ingeniería en Informática</a:t>
             </a:r>
-            <a:endParaRPr b="1" sz="1300" u="sng">
+            <a:endParaRPr sz="1200">
               <a:solidFill>
                 <a:schemeClr val="lt1"/>
               </a:solidFill>
@@ -7683,14 +7583,14 @@
               <a:buNone/>
             </a:pPr>
             <a:r>
-              <a:rPr lang="es" sz="1300">
+              <a:rPr b="1" lang="es" sz="1200" u="sng">
                 <a:solidFill>
                   <a:schemeClr val="lt1"/>
                 </a:solidFill>
               </a:rPr>
-              <a:t>-Puente Alto</a:t>
+              <a:t>Sede:</a:t>
             </a:r>
-            <a:endParaRPr sz="1300">
+            <a:endParaRPr b="1" sz="1200" u="sng">
               <a:solidFill>
                 <a:schemeClr val="lt1"/>
               </a:solidFill>
@@ -7707,14 +7607,14 @@
               <a:buNone/>
             </a:pPr>
             <a:r>
-              <a:rPr b="1" lang="es" sz="1300" u="sng">
+              <a:rPr lang="es" sz="1200">
                 <a:solidFill>
                   <a:schemeClr val="lt1"/>
                 </a:solidFill>
               </a:rPr>
-              <a:t>Año:</a:t>
+              <a:t>-Puente Alto</a:t>
             </a:r>
-            <a:endParaRPr b="1" sz="1300" u="sng">
+            <a:endParaRPr sz="1200">
               <a:solidFill>
                 <a:schemeClr val="lt1"/>
               </a:solidFill>
@@ -7728,6 +7628,30 @@
               <a:spcAft>
                 <a:spcPts val="0"/>
               </a:spcAft>
+              <a:buNone/>
+            </a:pPr>
+            <a:r>
+              <a:rPr b="1" lang="es" sz="1200" u="sng">
+                <a:solidFill>
+                  <a:schemeClr val="lt1"/>
+                </a:solidFill>
+              </a:rPr>
+              <a:t>Año:</a:t>
+            </a:r>
+            <a:endParaRPr b="1" sz="1200" u="sng">
+              <a:solidFill>
+                <a:schemeClr val="lt1"/>
+              </a:solidFill>
+            </a:endParaRPr>
+          </a:p>
+          <a:p>
+            <a:pPr indent="0" lvl="0" marL="0" rtl="0" algn="l">
+              <a:spcBef>
+                <a:spcPts val="0"/>
+              </a:spcBef>
+              <a:spcAft>
+                <a:spcPts val="0"/>
+              </a:spcAft>
               <a:buClr>
                 <a:schemeClr val="dk2"/>
               </a:buClr>
@@ -7736,14 +7660,14 @@
               <a:buNone/>
             </a:pPr>
             <a:r>
-              <a:rPr lang="es" sz="1300">
+              <a:rPr lang="es" sz="1200">
                 <a:solidFill>
                   <a:schemeClr val="lt1"/>
                 </a:solidFill>
               </a:rPr>
               <a:t>-2025</a:t>
             </a:r>
-            <a:endParaRPr sz="1300">
+            <a:endParaRPr sz="1200">
               <a:solidFill>
                 <a:schemeClr val="lt1"/>
               </a:solidFill>
@@ -7870,7 +7794,7 @@
   <p:cSld>
     <p:spTree>
       <p:nvGrpSpPr>
-        <p:cNvPr id="142" name="Shape 142"/>
+        <p:cNvPr id="140" name="Shape 140"/>
         <p:cNvGrpSpPr/>
         <p:nvPr/>
       </p:nvGrpSpPr>
@@ -7884,7 +7808,7 @@
       </p:grpSpPr>
       <p:sp>
         <p:nvSpPr>
-          <p:cNvPr id="143" name="Google Shape;143;p22"/>
+          <p:cNvPr id="141" name="Google Shape;141;p22"/>
           <p:cNvSpPr txBox="1"/>
           <p:nvPr>
             <p:ph type="title"/>
@@ -7943,7 +7867,7 @@
       </p:sp>
       <p:sp>
         <p:nvSpPr>
-          <p:cNvPr id="144" name="Google Shape;144;p22"/>
+          <p:cNvPr id="142" name="Google Shape;142;p22"/>
           <p:cNvSpPr txBox="1"/>
           <p:nvPr>
             <p:ph type="title"/>
@@ -8004,7 +7928,7 @@
       </p:sp>
       <p:sp>
         <p:nvSpPr>
-          <p:cNvPr id="145" name="Google Shape;145;p22"/>
+          <p:cNvPr id="143" name="Google Shape;143;p22"/>
           <p:cNvSpPr txBox="1"/>
           <p:nvPr>
             <p:ph type="title"/>
@@ -8065,7 +7989,7 @@
       </p:sp>
       <p:sp>
         <p:nvSpPr>
-          <p:cNvPr id="146" name="Google Shape;146;p22"/>
+          <p:cNvPr id="144" name="Google Shape;144;p22"/>
           <p:cNvSpPr txBox="1"/>
           <p:nvPr/>
         </p:nvSpPr>
@@ -8171,14 +8095,14 @@
       </p:sp>
       <p:sp>
         <p:nvSpPr>
-          <p:cNvPr id="147" name="Google Shape;147;p22"/>
+          <p:cNvPr id="145" name="Google Shape;145;p22"/>
           <p:cNvSpPr txBox="1"/>
           <p:nvPr/>
         </p:nvSpPr>
         <p:spPr>
           <a:xfrm>
-            <a:off x="2263650" y="3170123"/>
-            <a:ext cx="4616700" cy="1196400"/>
+            <a:off x="2263650" y="3170125"/>
+            <a:ext cx="4616700" cy="1466700"/>
           </a:xfrm>
           <a:prstGeom prst="rect">
             <a:avLst/>
@@ -8236,7 +8160,7 @@
                 <a:cs typeface="Source Sans Pro"/>
                 <a:sym typeface="Source Sans Pro"/>
               </a:rPr>
-              <a:t>, Java (Para la app escritorio)</a:t>
+              <a:t>, JavaFX (Para la app escritorio)</a:t>
             </a:r>
             <a:endParaRPr sz="1625">
               <a:solidFill>
@@ -8310,7 +8234,7 @@
                 <a:cs typeface="Source Sans Pro"/>
                 <a:sym typeface="Source Sans Pro"/>
               </a:rPr>
-              <a:t>API RESTful (Leaflet/Google maps, Hunter io, Paypal, Miindicador) </a:t>
+              <a:t>API RESTful (Leaflet, Hunter.io, Paypal, Miindicador) </a:t>
             </a:r>
             <a:endParaRPr sz="1625">
               <a:solidFill>
@@ -8337,7 +8261,7 @@
   <p:cSld>
     <p:spTree>
       <p:nvGrpSpPr>
-        <p:cNvPr id="151" name="Shape 151"/>
+        <p:cNvPr id="149" name="Shape 149"/>
         <p:cNvGrpSpPr/>
         <p:nvPr/>
       </p:nvGrpSpPr>
@@ -8351,7 +8275,7 @@
       </p:grpSpPr>
       <p:sp>
         <p:nvSpPr>
-          <p:cNvPr id="152" name="Google Shape;152;p23"/>
+          <p:cNvPr id="150" name="Google Shape;150;p23"/>
           <p:cNvSpPr txBox="1"/>
           <p:nvPr>
             <p:ph type="title"/>
@@ -8396,6 +8320,104 @@
               <a:solidFill>
                 <a:schemeClr val="lt1"/>
               </a:solidFill>
+            </a:endParaRPr>
+          </a:p>
+        </p:txBody>
+      </p:sp>
+      <p:pic>
+        <p:nvPicPr>
+          <p:cNvPr id="151" name="Google Shape;151;p23"/>
+          <p:cNvPicPr preferRelativeResize="0"/>
+          <p:nvPr/>
+        </p:nvPicPr>
+        <p:blipFill>
+          <a:blip r:embed="rId3">
+            <a:alphaModFix/>
+          </a:blip>
+          <a:stretch>
+            <a:fillRect/>
+          </a:stretch>
+        </p:blipFill>
+        <p:spPr>
+          <a:xfrm>
+            <a:off x="573250" y="1363750"/>
+            <a:ext cx="4383201" cy="2922150"/>
+          </a:xfrm>
+          <a:prstGeom prst="rect">
+            <a:avLst/>
+          </a:prstGeom>
+          <a:noFill/>
+          <a:ln>
+            <a:noFill/>
+          </a:ln>
+          <a:effectLst>
+            <a:outerShdw blurRad="314325" rotWithShape="0" algn="bl" dir="5400000" dist="19050">
+              <a:schemeClr val="dk1"/>
+            </a:outerShdw>
+          </a:effectLst>
+        </p:spPr>
+      </p:pic>
+      <p:sp>
+        <p:nvSpPr>
+          <p:cNvPr id="152" name="Google Shape;152;p23"/>
+          <p:cNvSpPr txBox="1"/>
+          <p:nvPr/>
+        </p:nvSpPr>
+        <p:spPr>
+          <a:xfrm>
+            <a:off x="5221425" y="2361300"/>
+            <a:ext cx="3319800" cy="420900"/>
+          </a:xfrm>
+          <a:prstGeom prst="rect">
+            <a:avLst/>
+          </a:prstGeom>
+          <a:noFill/>
+          <a:ln>
+            <a:noFill/>
+          </a:ln>
+        </p:spPr>
+        <p:txBody>
+          <a:bodyPr anchorCtr="0" anchor="ctr" bIns="91425" lIns="91425" spcFirstLastPara="1" rIns="91425" wrap="square" tIns="91425">
+            <a:noAutofit/>
+          </a:bodyPr>
+          <a:lstStyle/>
+          <a:p>
+            <a:pPr indent="0" lvl="0" marL="0" rtl="0" algn="ctr">
+              <a:spcBef>
+                <a:spcPts val="0"/>
+              </a:spcBef>
+              <a:spcAft>
+                <a:spcPts val="0"/>
+              </a:spcAft>
+              <a:buNone/>
+            </a:pPr>
+            <a:r>
+              <a:rPr b="1" lang="es" sz="2200" u="sng">
+                <a:solidFill>
+                  <a:schemeClr val="dk1"/>
+                </a:solidFill>
+                <a:latin typeface="Source Sans Pro"/>
+                <a:ea typeface="Source Sans Pro"/>
+                <a:cs typeface="Source Sans Pro"/>
+                <a:sym typeface="Source Sans Pro"/>
+                <a:hlinkClick r:id="rId4">
+                  <a:extLst>
+                    <a:ext uri="{A12FA001-AC4F-418D-AE19-62706E023703}">
+                      <ahyp:hlinkClr val="tx"/>
+                    </a:ext>
+                  </a:extLst>
+                </a:hlinkClick>
+              </a:rPr>
+              <a:t>Carta Gantt</a:t>
+            </a:r>
+            <a:endParaRPr b="1" sz="2200">
+              <a:solidFill>
+                <a:schemeClr val="dk1"/>
+              </a:solidFill>
+              <a:latin typeface="Source Sans Pro"/>
+              <a:ea typeface="Source Sans Pro"/>
+              <a:cs typeface="Source Sans Pro"/>
+              <a:sym typeface="Source Sans Pro"/>
             </a:endParaRPr>
           </a:p>
         </p:txBody>
@@ -8435,7 +8457,7 @@
         </p:nvSpPr>
         <p:spPr>
           <a:xfrm>
-            <a:off x="311700" y="445025"/>
+            <a:off x="233775" y="2260050"/>
             <a:ext cx="8520600" cy="623400"/>
           </a:xfrm>
           <a:prstGeom prst="rect">
@@ -8466,7 +8488,7 @@
                   <a:schemeClr val="lt1"/>
                 </a:solidFill>
               </a:rPr>
-              <a:t>RESUMEN DE COSTOS ESTIMADOS</a:t>
+              <a:t>MUESTRA DEL SISTEMA</a:t>
             </a:r>
             <a:endParaRPr>
               <a:solidFill>
@@ -8476,282 +8498,6 @@
           </a:p>
         </p:txBody>
       </p:sp>
-      <p:pic>
-        <p:nvPicPr>
-          <p:cNvPr id="158" name="Google Shape;158;p24"/>
-          <p:cNvPicPr preferRelativeResize="0"/>
-          <p:nvPr/>
-        </p:nvPicPr>
-        <p:blipFill>
-          <a:blip r:embed="rId3">
-            <a:alphaModFix/>
-          </a:blip>
-          <a:stretch>
-            <a:fillRect/>
-          </a:stretch>
-        </p:blipFill>
-        <p:spPr>
-          <a:xfrm>
-            <a:off x="223363" y="1163675"/>
-            <a:ext cx="8697278" cy="3770276"/>
-          </a:xfrm>
-          <a:prstGeom prst="rect">
-            <a:avLst/>
-          </a:prstGeom>
-          <a:noFill/>
-          <a:ln>
-            <a:noFill/>
-          </a:ln>
-        </p:spPr>
-      </p:pic>
-      <p:sp>
-        <p:nvSpPr>
-          <p:cNvPr id="159" name="Google Shape;159;p24"/>
-          <p:cNvSpPr/>
-          <p:nvPr/>
-        </p:nvSpPr>
-        <p:spPr>
-          <a:xfrm>
-            <a:off x="7509175" y="2671375"/>
-            <a:ext cx="619200" cy="257100"/>
-          </a:xfrm>
-          <a:prstGeom prst="rect">
-            <a:avLst/>
-          </a:prstGeom>
-          <a:solidFill>
-            <a:schemeClr val="lt1"/>
-          </a:solidFill>
-          <a:ln cap="flat" cmpd="sng" w="9525">
-            <a:solidFill>
-              <a:schemeClr val="lt1"/>
-            </a:solidFill>
-            <a:prstDash val="solid"/>
-            <a:round/>
-            <a:headEnd len="sm" w="sm" type="none"/>
-            <a:tailEnd len="sm" w="sm" type="none"/>
-          </a:ln>
-        </p:spPr>
-        <p:txBody>
-          <a:bodyPr anchorCtr="0" anchor="ctr" bIns="91425" lIns="91425" spcFirstLastPara="1" rIns="91425" wrap="square" tIns="91425">
-            <a:noAutofit/>
-          </a:bodyPr>
-          <a:lstStyle/>
-          <a:p>
-            <a:pPr indent="0" lvl="0" marL="0" rtl="0" algn="ctr">
-              <a:spcBef>
-                <a:spcPts val="0"/>
-              </a:spcBef>
-              <a:spcAft>
-                <a:spcPts val="0"/>
-              </a:spcAft>
-              <a:buNone/>
-            </a:pPr>
-            <a:r>
-              <a:t/>
-            </a:r>
-            <a:endParaRPr>
-              <a:latin typeface="Source Sans Pro"/>
-              <a:ea typeface="Source Sans Pro"/>
-              <a:cs typeface="Source Sans Pro"/>
-              <a:sym typeface="Source Sans Pro"/>
-            </a:endParaRPr>
-          </a:p>
-        </p:txBody>
-      </p:sp>
-    </p:spTree>
-  </p:cSld>
-  <p:clrMapOvr>
-    <a:masterClrMapping/>
-  </p:clrMapOvr>
-</p:sld>
-</file>
-
-<file path=ppt/slides/slide13.xml><?xml version="1.0" encoding="utf-8"?>
-<p:sld xmlns:a="http://schemas.openxmlformats.org/drawingml/2006/main" xmlns:r="http://schemas.openxmlformats.org/officeDocument/2006/relationships" xmlns:mc="http://schemas.openxmlformats.org/markup-compatibility/2006" xmlns:mv="urn:schemas-microsoft-com:mac:vml" xmlns:p="http://schemas.openxmlformats.org/presentationml/2006/main" xmlns:c="http://schemas.openxmlformats.org/drawingml/2006/chart" xmlns:dgm="http://schemas.openxmlformats.org/drawingml/2006/diagram" xmlns:o="urn:schemas-microsoft-com:office:office" xmlns:v="urn:schemas-microsoft-com:vml" xmlns:pvml="urn:schemas-microsoft-com:office:powerpoint" xmlns:com="http://schemas.openxmlformats.org/drawingml/2006/compatibility" xmlns:p14="http://schemas.microsoft.com/office/powerpoint/2010/main" xmlns:p15="http://schemas.microsoft.com/office/powerpoint/2012/main" xmlns:ahyp="http://schemas.microsoft.com/office/drawing/2018/hyperlinkcolor">
-  <p:cSld>
-    <p:spTree>
-      <p:nvGrpSpPr>
-        <p:cNvPr id="163" name="Shape 163"/>
-        <p:cNvGrpSpPr/>
-        <p:nvPr/>
-      </p:nvGrpSpPr>
-      <p:grpSpPr>
-        <a:xfrm>
-          <a:off x="0" y="0"/>
-          <a:ext cx="0" cy="0"/>
-          <a:chOff x="0" y="0"/>
-          <a:chExt cx="0" cy="0"/>
-        </a:xfrm>
-      </p:grpSpPr>
-      <p:sp>
-        <p:nvSpPr>
-          <p:cNvPr id="164" name="Google Shape;164;p25"/>
-          <p:cNvSpPr txBox="1"/>
-          <p:nvPr>
-            <p:ph type="title"/>
-          </p:nvPr>
-        </p:nvSpPr>
-        <p:spPr>
-          <a:xfrm>
-            <a:off x="311700" y="445025"/>
-            <a:ext cx="8520600" cy="623400"/>
-          </a:xfrm>
-          <a:prstGeom prst="rect">
-            <a:avLst/>
-          </a:prstGeom>
-          <a:solidFill>
-            <a:schemeClr val="dk1"/>
-          </a:solidFill>
-        </p:spPr>
-        <p:txBody>
-          <a:bodyPr anchorCtr="0" anchor="t" bIns="91425" lIns="91425" spcFirstLastPara="1" rIns="91425" wrap="square" tIns="91425">
-            <a:normAutofit fontScale="90000"/>
-          </a:bodyPr>
-          <a:lstStyle/>
-          <a:p>
-            <a:pPr indent="0" lvl="0" marL="0" rtl="0" algn="ctr">
-              <a:spcBef>
-                <a:spcPts val="0"/>
-              </a:spcBef>
-              <a:spcAft>
-                <a:spcPts val="0"/>
-              </a:spcAft>
-              <a:buNone/>
-            </a:pPr>
-            <a:r>
-              <a:rPr lang="es">
-                <a:solidFill>
-                  <a:schemeClr val="lt1"/>
-                </a:solidFill>
-              </a:rPr>
-              <a:t>CONCLUSIÓN FASE 2</a:t>
-            </a:r>
-            <a:endParaRPr>
-              <a:solidFill>
-                <a:schemeClr val="lt1"/>
-              </a:solidFill>
-            </a:endParaRPr>
-          </a:p>
-        </p:txBody>
-      </p:sp>
-      <p:sp>
-        <p:nvSpPr>
-          <p:cNvPr id="165" name="Google Shape;165;p25"/>
-          <p:cNvSpPr txBox="1"/>
-          <p:nvPr/>
-        </p:nvSpPr>
-        <p:spPr>
-          <a:xfrm>
-            <a:off x="352425" y="1247775"/>
-            <a:ext cx="3495600" cy="3543300"/>
-          </a:xfrm>
-          <a:prstGeom prst="rect">
-            <a:avLst/>
-          </a:prstGeom>
-          <a:noFill/>
-          <a:ln>
-            <a:noFill/>
-          </a:ln>
-        </p:spPr>
-        <p:txBody>
-          <a:bodyPr anchorCtr="0" anchor="t" bIns="91425" lIns="91425" spcFirstLastPara="1" rIns="91425" wrap="square" tIns="91425">
-            <a:noAutofit/>
-          </a:bodyPr>
-          <a:lstStyle/>
-          <a:p>
-            <a:pPr indent="0" lvl="0" marL="0" rtl="0" algn="l">
-              <a:spcBef>
-                <a:spcPts val="0"/>
-              </a:spcBef>
-              <a:spcAft>
-                <a:spcPts val="0"/>
-              </a:spcAft>
-              <a:buNone/>
-            </a:pPr>
-            <a:r>
-              <a:rPr lang="es" sz="1700">
-                <a:solidFill>
-                  <a:schemeClr val="dk2"/>
-                </a:solidFill>
-                <a:latin typeface="Source Sans Pro"/>
-                <a:ea typeface="Source Sans Pro"/>
-                <a:cs typeface="Source Sans Pro"/>
-                <a:sym typeface="Source Sans Pro"/>
-              </a:rPr>
-              <a:t>FixSpot es una propuesta de solución clara, para talleres mecánicos y usuarios que tengan vehículos. Además de expandir la visibilidad de los talleres en el mercado.</a:t>
-            </a:r>
-            <a:endParaRPr sz="1700">
-              <a:solidFill>
-                <a:schemeClr val="dk2"/>
-              </a:solidFill>
-              <a:latin typeface="Source Sans Pro"/>
-              <a:ea typeface="Source Sans Pro"/>
-              <a:cs typeface="Source Sans Pro"/>
-              <a:sym typeface="Source Sans Pro"/>
-            </a:endParaRPr>
-          </a:p>
-          <a:p>
-            <a:pPr indent="0" lvl="0" marL="0" rtl="0" algn="l">
-              <a:spcBef>
-                <a:spcPts val="0"/>
-              </a:spcBef>
-              <a:spcAft>
-                <a:spcPts val="0"/>
-              </a:spcAft>
-              <a:buNone/>
-            </a:pPr>
-            <a:r>
-              <a:rPr lang="es" sz="1700">
-                <a:solidFill>
-                  <a:schemeClr val="dk2"/>
-                </a:solidFill>
-                <a:latin typeface="Source Sans Pro"/>
-                <a:ea typeface="Source Sans Pro"/>
-                <a:cs typeface="Source Sans Pro"/>
-                <a:sym typeface="Source Sans Pro"/>
-              </a:rPr>
-              <a:t>En esta fase se definieron los objetivos, alcances, usuarios, requerimientos, etc, estableciendo una base sólida para avanzar hacia el diseño y desarrollo de la solución.</a:t>
-            </a:r>
-            <a:endParaRPr sz="1700">
-              <a:solidFill>
-                <a:schemeClr val="dk2"/>
-              </a:solidFill>
-              <a:latin typeface="Source Sans Pro"/>
-              <a:ea typeface="Source Sans Pro"/>
-              <a:cs typeface="Source Sans Pro"/>
-              <a:sym typeface="Source Sans Pro"/>
-            </a:endParaRPr>
-          </a:p>
-        </p:txBody>
-      </p:sp>
-      <p:pic>
-        <p:nvPicPr>
-          <p:cNvPr id="166" name="Google Shape;166;p25"/>
-          <p:cNvPicPr preferRelativeResize="0"/>
-          <p:nvPr/>
-        </p:nvPicPr>
-        <p:blipFill>
-          <a:blip r:embed="rId3">
-            <a:alphaModFix/>
-          </a:blip>
-          <a:stretch>
-            <a:fillRect/>
-          </a:stretch>
-        </p:blipFill>
-        <p:spPr>
-          <a:xfrm>
-            <a:off x="4876875" y="1822806"/>
-            <a:ext cx="3495600" cy="2393222"/>
-          </a:xfrm>
-          <a:prstGeom prst="rect">
-            <a:avLst/>
-          </a:prstGeom>
-          <a:noFill/>
-          <a:ln>
-            <a:noFill/>
-          </a:ln>
-        </p:spPr>
-      </p:pic>
     </p:spTree>
   </p:cSld>
   <p:clrMapOvr>
@@ -10728,7 +10474,7 @@
                   <a:schemeClr val="lt1"/>
                 </a:solidFill>
               </a:rPr>
-              <a:t>OBJETIVOS</a:t>
+              <a:t>LISTADO DE REQUERIMIENTOS</a:t>
             </a:r>
             <a:endParaRPr>
               <a:solidFill>
@@ -10738,385 +10484,9 @@
           </a:p>
         </p:txBody>
       </p:sp>
-      <p:sp>
-        <p:nvSpPr>
-          <p:cNvPr id="101" name="Google Shape;101;p16"/>
-          <p:cNvSpPr/>
-          <p:nvPr/>
-        </p:nvSpPr>
-        <p:spPr>
-          <a:xfrm>
-            <a:off x="311700" y="1208075"/>
-            <a:ext cx="2986200" cy="3422700"/>
-          </a:xfrm>
-          <a:prstGeom prst="roundRect">
-            <a:avLst>
-              <a:gd fmla="val 16667" name="adj"/>
-            </a:avLst>
-          </a:prstGeom>
-          <a:solidFill>
-            <a:srgbClr val="5E81C9"/>
-          </a:solidFill>
-          <a:ln cap="flat" cmpd="sng" w="9525">
-            <a:solidFill>
-              <a:schemeClr val="dk1"/>
-            </a:solidFill>
-            <a:prstDash val="solid"/>
-            <a:round/>
-            <a:headEnd len="sm" w="sm" type="none"/>
-            <a:tailEnd len="sm" w="sm" type="none"/>
-          </a:ln>
-        </p:spPr>
-        <p:txBody>
-          <a:bodyPr anchorCtr="0" anchor="t" bIns="91425" lIns="91425" spcFirstLastPara="1" rIns="91425" wrap="square" tIns="91425">
-            <a:noAutofit/>
-          </a:bodyPr>
-          <a:lstStyle/>
-          <a:p>
-            <a:pPr indent="0" lvl="0" marL="0" rtl="0" algn="ctr">
-              <a:spcBef>
-                <a:spcPts val="0"/>
-              </a:spcBef>
-              <a:spcAft>
-                <a:spcPts val="0"/>
-              </a:spcAft>
-              <a:buNone/>
-            </a:pPr>
-            <a:r>
-              <a:rPr b="1" lang="es" sz="1700" u="sng">
-                <a:solidFill>
-                  <a:schemeClr val="lt1"/>
-                </a:solidFill>
-                <a:latin typeface="Source Sans Pro"/>
-                <a:ea typeface="Source Sans Pro"/>
-                <a:cs typeface="Source Sans Pro"/>
-                <a:sym typeface="Source Sans Pro"/>
-              </a:rPr>
-              <a:t>OBJETIVO GENERAL</a:t>
-            </a:r>
-            <a:endParaRPr b="1" sz="1700" u="sng">
-              <a:solidFill>
-                <a:schemeClr val="lt1"/>
-              </a:solidFill>
-              <a:latin typeface="Source Sans Pro"/>
-              <a:ea typeface="Source Sans Pro"/>
-              <a:cs typeface="Source Sans Pro"/>
-              <a:sym typeface="Source Sans Pro"/>
-            </a:endParaRPr>
-          </a:p>
-          <a:p>
-            <a:pPr indent="0" lvl="0" marL="0" rtl="0" algn="ctr">
-              <a:spcBef>
-                <a:spcPts val="0"/>
-              </a:spcBef>
-              <a:spcAft>
-                <a:spcPts val="0"/>
-              </a:spcAft>
-              <a:buNone/>
-            </a:pPr>
-            <a:r>
-              <a:rPr lang="es" sz="1200">
-                <a:solidFill>
-                  <a:schemeClr val="lt1"/>
-                </a:solidFill>
-                <a:latin typeface="Source Sans Pro"/>
-                <a:ea typeface="Source Sans Pro"/>
-                <a:cs typeface="Source Sans Pro"/>
-                <a:sym typeface="Source Sans Pro"/>
-              </a:rPr>
-              <a:t>Implementar una plataforma digital de agenda en línea que permita a los usuarios localizar talleres mecánicos de forma rápida, comparar opciones y reservar servicios, mejorando la experiencia del cliente y apoyando la digitalización y competitividad del sector.</a:t>
-            </a:r>
-            <a:endParaRPr sz="1200">
-              <a:solidFill>
-                <a:schemeClr val="lt1"/>
-              </a:solidFill>
-              <a:latin typeface="Source Sans Pro"/>
-              <a:ea typeface="Source Sans Pro"/>
-              <a:cs typeface="Source Sans Pro"/>
-              <a:sym typeface="Source Sans Pro"/>
-            </a:endParaRPr>
-          </a:p>
-        </p:txBody>
-      </p:sp>
-      <p:sp>
-        <p:nvSpPr>
-          <p:cNvPr id="102" name="Google Shape;102;p16"/>
-          <p:cNvSpPr/>
-          <p:nvPr/>
-        </p:nvSpPr>
-        <p:spPr>
-          <a:xfrm>
-            <a:off x="5606575" y="1208075"/>
-            <a:ext cx="3170400" cy="3422700"/>
-          </a:xfrm>
-          <a:prstGeom prst="roundRect">
-            <a:avLst>
-              <a:gd fmla="val 16667" name="adj"/>
-            </a:avLst>
-          </a:prstGeom>
-          <a:solidFill>
-            <a:srgbClr val="5E81C9"/>
-          </a:solidFill>
-          <a:ln cap="flat" cmpd="sng" w="9525">
-            <a:solidFill>
-              <a:schemeClr val="dk1"/>
-            </a:solidFill>
-            <a:prstDash val="solid"/>
-            <a:round/>
-            <a:headEnd len="sm" w="sm" type="none"/>
-            <a:tailEnd len="sm" w="sm" type="none"/>
-          </a:ln>
-        </p:spPr>
-        <p:txBody>
-          <a:bodyPr anchorCtr="0" anchor="t" bIns="91425" lIns="91425" spcFirstLastPara="1" rIns="91425" wrap="square" tIns="91425">
-            <a:noAutofit/>
-          </a:bodyPr>
-          <a:lstStyle/>
-          <a:p>
-            <a:pPr indent="0" lvl="0" marL="0" rtl="0" algn="ctr">
-              <a:spcBef>
-                <a:spcPts val="0"/>
-              </a:spcBef>
-              <a:spcAft>
-                <a:spcPts val="0"/>
-              </a:spcAft>
-              <a:buNone/>
-            </a:pPr>
-            <a:r>
-              <a:rPr b="1" lang="es" sz="1700" u="sng">
-                <a:solidFill>
-                  <a:schemeClr val="lt1"/>
-                </a:solidFill>
-                <a:latin typeface="Source Sans Pro"/>
-                <a:ea typeface="Source Sans Pro"/>
-                <a:cs typeface="Source Sans Pro"/>
-                <a:sym typeface="Source Sans Pro"/>
-              </a:rPr>
-              <a:t>OBJETIVOS ESPECÍFICOS</a:t>
-            </a:r>
-            <a:endParaRPr b="1" sz="1700" u="sng">
-              <a:solidFill>
-                <a:schemeClr val="lt1"/>
-              </a:solidFill>
-              <a:latin typeface="Source Sans Pro"/>
-              <a:ea typeface="Source Sans Pro"/>
-              <a:cs typeface="Source Sans Pro"/>
-              <a:sym typeface="Source Sans Pro"/>
-            </a:endParaRPr>
-          </a:p>
-          <a:p>
-            <a:pPr indent="-304800" lvl="0" marL="457200" rtl="0" algn="l">
-              <a:spcBef>
-                <a:spcPts val="0"/>
-              </a:spcBef>
-              <a:spcAft>
-                <a:spcPts val="0"/>
-              </a:spcAft>
-              <a:buClr>
-                <a:schemeClr val="lt1"/>
-              </a:buClr>
-              <a:buSzPts val="1200"/>
-              <a:buFont typeface="Source Sans Pro"/>
-              <a:buChar char="●"/>
-            </a:pPr>
-            <a:r>
-              <a:rPr lang="es" sz="1200">
-                <a:solidFill>
-                  <a:schemeClr val="lt1"/>
-                </a:solidFill>
-                <a:latin typeface="Source Sans Pro"/>
-                <a:ea typeface="Source Sans Pro"/>
-                <a:cs typeface="Source Sans Pro"/>
-                <a:sym typeface="Source Sans Pro"/>
-              </a:rPr>
-              <a:t>Reducir los tiempos de espera mediante un sistema de reservas en línea.</a:t>
-            </a:r>
-            <a:endParaRPr sz="1200">
-              <a:solidFill>
-                <a:schemeClr val="lt1"/>
-              </a:solidFill>
-              <a:latin typeface="Source Sans Pro"/>
-              <a:ea typeface="Source Sans Pro"/>
-              <a:cs typeface="Source Sans Pro"/>
-              <a:sym typeface="Source Sans Pro"/>
-            </a:endParaRPr>
-          </a:p>
-          <a:p>
-            <a:pPr indent="-304800" lvl="0" marL="457200" rtl="0" algn="l">
-              <a:spcBef>
-                <a:spcPts val="0"/>
-              </a:spcBef>
-              <a:spcAft>
-                <a:spcPts val="0"/>
-              </a:spcAft>
-              <a:buClr>
-                <a:schemeClr val="lt1"/>
-              </a:buClr>
-              <a:buSzPts val="1200"/>
-              <a:buFont typeface="Source Sans Pro"/>
-              <a:buChar char="●"/>
-            </a:pPr>
-            <a:r>
-              <a:rPr lang="es" sz="1200">
-                <a:solidFill>
-                  <a:schemeClr val="lt1"/>
-                </a:solidFill>
-                <a:latin typeface="Source Sans Pro"/>
-                <a:ea typeface="Source Sans Pro"/>
-                <a:cs typeface="Source Sans Pro"/>
-                <a:sym typeface="Source Sans Pro"/>
-              </a:rPr>
-              <a:t>Facilitar la localización de talleres mecánicos confiables en la comuna.</a:t>
-            </a:r>
-            <a:endParaRPr sz="1200">
-              <a:solidFill>
-                <a:schemeClr val="lt1"/>
-              </a:solidFill>
-              <a:latin typeface="Source Sans Pro"/>
-              <a:ea typeface="Source Sans Pro"/>
-              <a:cs typeface="Source Sans Pro"/>
-              <a:sym typeface="Source Sans Pro"/>
-            </a:endParaRPr>
-          </a:p>
-          <a:p>
-            <a:pPr indent="-304800" lvl="0" marL="457200" rtl="0" algn="l">
-              <a:spcBef>
-                <a:spcPts val="0"/>
-              </a:spcBef>
-              <a:spcAft>
-                <a:spcPts val="0"/>
-              </a:spcAft>
-              <a:buClr>
-                <a:schemeClr val="lt1"/>
-              </a:buClr>
-              <a:buSzPts val="1200"/>
-              <a:buFont typeface="Source Sans Pro"/>
-              <a:buChar char="●"/>
-            </a:pPr>
-            <a:r>
-              <a:rPr lang="es" sz="1200">
-                <a:solidFill>
-                  <a:schemeClr val="lt1"/>
-                </a:solidFill>
-                <a:latin typeface="Source Sans Pro"/>
-                <a:ea typeface="Source Sans Pro"/>
-                <a:cs typeface="Source Sans Pro"/>
-                <a:sym typeface="Source Sans Pro"/>
-              </a:rPr>
-              <a:t>Desarrollar una plataforma web adaptable y compatible en distintos dispositivos.</a:t>
-            </a:r>
-            <a:endParaRPr sz="1200">
-              <a:solidFill>
-                <a:schemeClr val="lt1"/>
-              </a:solidFill>
-              <a:latin typeface="Source Sans Pro"/>
-              <a:ea typeface="Source Sans Pro"/>
-              <a:cs typeface="Source Sans Pro"/>
-              <a:sym typeface="Source Sans Pro"/>
-            </a:endParaRPr>
-          </a:p>
-          <a:p>
-            <a:pPr indent="-304800" lvl="0" marL="457200" rtl="0" algn="l">
-              <a:spcBef>
-                <a:spcPts val="0"/>
-              </a:spcBef>
-              <a:spcAft>
-                <a:spcPts val="0"/>
-              </a:spcAft>
-              <a:buClr>
-                <a:schemeClr val="lt1"/>
-              </a:buClr>
-              <a:buSzPts val="1200"/>
-              <a:buFont typeface="Source Sans Pro"/>
-              <a:buChar char="●"/>
-            </a:pPr>
-            <a:r>
-              <a:rPr lang="es" sz="1200">
-                <a:solidFill>
-                  <a:schemeClr val="lt1"/>
-                </a:solidFill>
-                <a:latin typeface="Source Sans Pro"/>
-                <a:ea typeface="Source Sans Pro"/>
-                <a:cs typeface="Source Sans Pro"/>
-                <a:sym typeface="Source Sans Pro"/>
-              </a:rPr>
-              <a:t>Desarrollar una plataforma escritorio para gestionar el sistema web.</a:t>
-            </a:r>
-            <a:endParaRPr sz="1200">
-              <a:solidFill>
-                <a:schemeClr val="lt1"/>
-              </a:solidFill>
-              <a:latin typeface="Source Sans Pro"/>
-              <a:ea typeface="Source Sans Pro"/>
-              <a:cs typeface="Source Sans Pro"/>
-              <a:sym typeface="Source Sans Pro"/>
-            </a:endParaRPr>
-          </a:p>
-          <a:p>
-            <a:pPr indent="-304800" lvl="0" marL="457200" rtl="0" algn="l">
-              <a:spcBef>
-                <a:spcPts val="0"/>
-              </a:spcBef>
-              <a:spcAft>
-                <a:spcPts val="0"/>
-              </a:spcAft>
-              <a:buClr>
-                <a:schemeClr val="lt1"/>
-              </a:buClr>
-              <a:buSzPts val="1200"/>
-              <a:buFont typeface="Source Sans Pro"/>
-              <a:buChar char="●"/>
-            </a:pPr>
-            <a:r>
-              <a:rPr lang="es" sz="1200">
-                <a:solidFill>
-                  <a:schemeClr val="lt1"/>
-                </a:solidFill>
-                <a:latin typeface="Source Sans Pro"/>
-                <a:ea typeface="Source Sans Pro"/>
-                <a:cs typeface="Source Sans Pro"/>
-                <a:sym typeface="Source Sans Pro"/>
-              </a:rPr>
-              <a:t>Garantizar la seguridad y confidencialidad de los datos.</a:t>
-            </a:r>
-            <a:endParaRPr sz="1200">
-              <a:solidFill>
-                <a:schemeClr val="lt1"/>
-              </a:solidFill>
-              <a:latin typeface="Source Sans Pro"/>
-              <a:ea typeface="Source Sans Pro"/>
-              <a:cs typeface="Source Sans Pro"/>
-              <a:sym typeface="Source Sans Pro"/>
-            </a:endParaRPr>
-          </a:p>
-          <a:p>
-            <a:pPr indent="0" lvl="0" marL="0" rtl="0" algn="ctr">
-              <a:spcBef>
-                <a:spcPts val="0"/>
-              </a:spcBef>
-              <a:spcAft>
-                <a:spcPts val="0"/>
-              </a:spcAft>
-              <a:buNone/>
-            </a:pPr>
-            <a:r>
-              <a:t/>
-            </a:r>
-            <a:endParaRPr sz="1300">
-              <a:solidFill>
-                <a:schemeClr val="lt1"/>
-              </a:solidFill>
-              <a:latin typeface="Source Sans Pro"/>
-              <a:ea typeface="Source Sans Pro"/>
-              <a:cs typeface="Source Sans Pro"/>
-              <a:sym typeface="Source Sans Pro"/>
-            </a:endParaRPr>
-          </a:p>
-        </p:txBody>
-      </p:sp>
       <p:pic>
         <p:nvPicPr>
-          <p:cNvPr id="103" name="Google Shape;103;p16"/>
+          <p:cNvPr id="101" name="Google Shape;101;p16"/>
           <p:cNvPicPr preferRelativeResize="0"/>
           <p:nvPr/>
         </p:nvPicPr>
@@ -11130,8 +10500,8 @@
         </p:blipFill>
         <p:spPr>
           <a:xfrm>
-            <a:off x="3745650" y="2093075"/>
-            <a:ext cx="1652700" cy="1652700"/>
+            <a:off x="1245525" y="1112450"/>
+            <a:ext cx="6652951" cy="1981950"/>
           </a:xfrm>
           <a:prstGeom prst="rect">
             <a:avLst/>
@@ -11142,6 +10512,118 @@
           </a:ln>
         </p:spPr>
       </p:pic>
+      <p:pic>
+        <p:nvPicPr>
+          <p:cNvPr id="102" name="Google Shape;102;p16"/>
+          <p:cNvPicPr preferRelativeResize="0"/>
+          <p:nvPr/>
+        </p:nvPicPr>
+        <p:blipFill>
+          <a:blip r:embed="rId4">
+            <a:alphaModFix/>
+          </a:blip>
+          <a:stretch>
+            <a:fillRect/>
+          </a:stretch>
+        </p:blipFill>
+        <p:spPr>
+          <a:xfrm>
+            <a:off x="1245525" y="3094400"/>
+            <a:ext cx="6652949" cy="1526567"/>
+          </a:xfrm>
+          <a:prstGeom prst="rect">
+            <a:avLst/>
+          </a:prstGeom>
+          <a:noFill/>
+          <a:ln>
+            <a:noFill/>
+          </a:ln>
+        </p:spPr>
+      </p:pic>
+      <p:sp>
+        <p:nvSpPr>
+          <p:cNvPr id="103" name="Google Shape;103;p16"/>
+          <p:cNvSpPr txBox="1"/>
+          <p:nvPr/>
+        </p:nvSpPr>
+        <p:spPr>
+          <a:xfrm>
+            <a:off x="3781425" y="4676775"/>
+            <a:ext cx="5305500" cy="581100"/>
+          </a:xfrm>
+          <a:prstGeom prst="rect">
+            <a:avLst/>
+          </a:prstGeom>
+          <a:noFill/>
+          <a:ln>
+            <a:noFill/>
+          </a:ln>
+        </p:spPr>
+        <p:txBody>
+          <a:bodyPr anchorCtr="0" anchor="t" bIns="91425" lIns="91425" spcFirstLastPara="1" rIns="91425" wrap="square" tIns="91425">
+            <a:noAutofit/>
+          </a:bodyPr>
+          <a:lstStyle/>
+          <a:p>
+            <a:pPr indent="0" lvl="0" marL="0" rtl="0" algn="r">
+              <a:spcBef>
+                <a:spcPts val="0"/>
+              </a:spcBef>
+              <a:spcAft>
+                <a:spcPts val="0"/>
+              </a:spcAft>
+              <a:buNone/>
+            </a:pPr>
+            <a:r>
+              <a:rPr lang="es" sz="1900" u="sng">
+                <a:solidFill>
+                  <a:schemeClr val="dk1"/>
+                </a:solidFill>
+                <a:latin typeface="Source Sans Pro"/>
+                <a:ea typeface="Source Sans Pro"/>
+                <a:cs typeface="Source Sans Pro"/>
+                <a:sym typeface="Source Sans Pro"/>
+                <a:hlinkClick r:id="rId5">
+                  <a:extLst>
+                    <a:ext uri="{A12FA001-AC4F-418D-AE19-62706E023703}">
+                      <ahyp:hlinkClr val="tx"/>
+                    </a:ext>
+                  </a:extLst>
+                </a:hlinkClick>
+              </a:rPr>
+              <a:t>Planilla de </a:t>
+            </a:r>
+            <a:r>
+              <a:rPr lang="es" sz="1900" u="sng">
+                <a:solidFill>
+                  <a:schemeClr val="dk1"/>
+                </a:solidFill>
+                <a:latin typeface="Source Sans Pro"/>
+                <a:ea typeface="Source Sans Pro"/>
+                <a:cs typeface="Source Sans Pro"/>
+                <a:sym typeface="Source Sans Pro"/>
+                <a:hlinkClick r:id="rId6">
+                  <a:extLst>
+                    <a:ext uri="{A12FA001-AC4F-418D-AE19-62706E023703}">
+                      <ahyp:hlinkClr val="tx"/>
+                    </a:ext>
+                  </a:extLst>
+                </a:hlinkClick>
+              </a:rPr>
+              <a:t>requerimientos</a:t>
+            </a:r>
+            <a:endParaRPr sz="1900">
+              <a:solidFill>
+                <a:schemeClr val="dk1"/>
+              </a:solidFill>
+              <a:latin typeface="Source Sans Pro"/>
+              <a:ea typeface="Source Sans Pro"/>
+              <a:cs typeface="Source Sans Pro"/>
+              <a:sym typeface="Source Sans Pro"/>
+            </a:endParaRPr>
+          </a:p>
+        </p:txBody>
+      </p:sp>
     </p:spTree>
   </p:cSld>
   <p:clrMapOvr>
@@ -11208,7 +10690,7 @@
                   <a:schemeClr val="lt1"/>
                 </a:solidFill>
               </a:rPr>
-              <a:t>ALCANCES</a:t>
+              <a:t>MATRIZ RACI</a:t>
             </a:r>
             <a:endParaRPr>
               <a:solidFill>
@@ -11226,20 +10708,18 @@
         </p:nvSpPr>
         <p:spPr>
           <a:xfrm>
-            <a:off x="311700" y="1657175"/>
-            <a:ext cx="2986200" cy="3353100"/>
+            <a:off x="7509175" y="2671375"/>
+            <a:ext cx="619200" cy="257100"/>
           </a:xfrm>
-          <a:prstGeom prst="roundRect">
-            <a:avLst>
-              <a:gd fmla="val 16667" name="adj"/>
-            </a:avLst>
+          <a:prstGeom prst="rect">
+            <a:avLst/>
           </a:prstGeom>
           <a:solidFill>
-            <a:srgbClr val="5E81C9"/>
+            <a:schemeClr val="lt1"/>
           </a:solidFill>
           <a:ln cap="flat" cmpd="sng" w="9525">
             <a:solidFill>
-              <a:schemeClr val="dk1"/>
+              <a:schemeClr val="lt1"/>
             </a:solidFill>
             <a:prstDash val="solid"/>
             <a:round/>
@@ -11248,252 +10728,7 @@
           </a:ln>
         </p:spPr>
         <p:txBody>
-          <a:bodyPr anchorCtr="0" anchor="t" bIns="91425" lIns="91425" spcFirstLastPara="1" rIns="91425" wrap="square" tIns="91425">
-            <a:noAutofit/>
-          </a:bodyPr>
-          <a:lstStyle/>
-          <a:p>
-            <a:pPr indent="-292100" lvl="0" marL="457200" rtl="0" algn="l">
-              <a:spcBef>
-                <a:spcPts val="0"/>
-              </a:spcBef>
-              <a:spcAft>
-                <a:spcPts val="0"/>
-              </a:spcAft>
-              <a:buClr>
-                <a:schemeClr val="lt1"/>
-              </a:buClr>
-              <a:buSzPts val="1000"/>
-              <a:buChar char="●"/>
-            </a:pPr>
-            <a:r>
-              <a:rPr lang="es" sz="1000">
-                <a:solidFill>
-                  <a:schemeClr val="lt1"/>
-                </a:solidFill>
-              </a:rPr>
-              <a:t>Permite a los usuarios buscar talleres mecánicos cercanos de manera rápida.</a:t>
-            </a:r>
-            <a:endParaRPr sz="1000">
-              <a:solidFill>
-                <a:schemeClr val="lt1"/>
-              </a:solidFill>
-            </a:endParaRPr>
-          </a:p>
-          <a:p>
-            <a:pPr indent="-292100" lvl="0" marL="457200" rtl="0" algn="l">
-              <a:spcBef>
-                <a:spcPts val="0"/>
-              </a:spcBef>
-              <a:spcAft>
-                <a:spcPts val="0"/>
-              </a:spcAft>
-              <a:buClr>
-                <a:schemeClr val="lt1"/>
-              </a:buClr>
-              <a:buSzPts val="1000"/>
-              <a:buChar char="●"/>
-            </a:pPr>
-            <a:r>
-              <a:rPr lang="es" sz="1000">
-                <a:solidFill>
-                  <a:schemeClr val="lt1"/>
-                </a:solidFill>
-              </a:rPr>
-              <a:t>Ofrece un sistema de reservas en línea para agendar mantenciones o reparaciones.</a:t>
-            </a:r>
-            <a:endParaRPr sz="1000">
-              <a:solidFill>
-                <a:schemeClr val="lt1"/>
-              </a:solidFill>
-            </a:endParaRPr>
-          </a:p>
-          <a:p>
-            <a:pPr indent="-292100" lvl="0" marL="457200" rtl="0" algn="l">
-              <a:spcBef>
-                <a:spcPts val="0"/>
-              </a:spcBef>
-              <a:spcAft>
-                <a:spcPts val="0"/>
-              </a:spcAft>
-              <a:buClr>
-                <a:schemeClr val="lt1"/>
-              </a:buClr>
-              <a:buSzPts val="1000"/>
-              <a:buChar char="●"/>
-            </a:pPr>
-            <a:r>
-              <a:rPr lang="es" sz="1000">
-                <a:solidFill>
-                  <a:schemeClr val="lt1"/>
-                </a:solidFill>
-              </a:rPr>
-              <a:t>Muestra reseñas y comparaciones de precios entre talleres.</a:t>
-            </a:r>
-            <a:endParaRPr sz="1000">
-              <a:solidFill>
-                <a:schemeClr val="lt1"/>
-              </a:solidFill>
-            </a:endParaRPr>
-          </a:p>
-          <a:p>
-            <a:pPr indent="-292100" lvl="0" marL="457200" rtl="0" algn="l">
-              <a:spcBef>
-                <a:spcPts val="0"/>
-              </a:spcBef>
-              <a:spcAft>
-                <a:spcPts val="0"/>
-              </a:spcAft>
-              <a:buClr>
-                <a:schemeClr val="lt1"/>
-              </a:buClr>
-              <a:buSzPts val="1000"/>
-              <a:buChar char="●"/>
-            </a:pPr>
-            <a:r>
-              <a:rPr lang="es" sz="1000">
-                <a:solidFill>
-                  <a:schemeClr val="lt1"/>
-                </a:solidFill>
-              </a:rPr>
-              <a:t>Integra pagos electrónicos y geolocalización.</a:t>
-            </a:r>
-            <a:endParaRPr sz="1000">
-              <a:solidFill>
-                <a:schemeClr val="lt1"/>
-              </a:solidFill>
-            </a:endParaRPr>
-          </a:p>
-          <a:p>
-            <a:pPr indent="-292100" lvl="0" marL="457200" rtl="0" algn="l">
-              <a:spcBef>
-                <a:spcPts val="0"/>
-              </a:spcBef>
-              <a:spcAft>
-                <a:spcPts val="0"/>
-              </a:spcAft>
-              <a:buClr>
-                <a:schemeClr val="lt1"/>
-              </a:buClr>
-              <a:buSzPts val="1000"/>
-              <a:buChar char="●"/>
-            </a:pPr>
-            <a:r>
-              <a:rPr lang="es" sz="1000">
-                <a:solidFill>
-                  <a:schemeClr val="lt1"/>
-                </a:solidFill>
-              </a:rPr>
-              <a:t>Garantiza seguridad de datos mediante autenticación y verificación.</a:t>
-            </a:r>
-            <a:endParaRPr sz="1000">
-              <a:solidFill>
-                <a:schemeClr val="lt1"/>
-              </a:solidFill>
-            </a:endParaRPr>
-          </a:p>
-          <a:p>
-            <a:pPr indent="-292100" lvl="0" marL="457200" rtl="0" algn="l">
-              <a:spcBef>
-                <a:spcPts val="0"/>
-              </a:spcBef>
-              <a:spcAft>
-                <a:spcPts val="0"/>
-              </a:spcAft>
-              <a:buClr>
-                <a:schemeClr val="lt1"/>
-              </a:buClr>
-              <a:buSzPts val="1000"/>
-              <a:buChar char="●"/>
-            </a:pPr>
-            <a:r>
-              <a:rPr lang="es" sz="1000">
-                <a:solidFill>
-                  <a:schemeClr val="lt1"/>
-                </a:solidFill>
-              </a:rPr>
-              <a:t>Funciona en múltiples dispositivos gracias a un diseño 100% responsive.</a:t>
-            </a:r>
-            <a:endParaRPr sz="1000">
-              <a:solidFill>
-                <a:schemeClr val="lt1"/>
-              </a:solidFill>
-            </a:endParaRPr>
-          </a:p>
-          <a:p>
-            <a:pPr indent="-292100" lvl="0" marL="457200" rtl="0" algn="l">
-              <a:spcBef>
-                <a:spcPts val="0"/>
-              </a:spcBef>
-              <a:spcAft>
-                <a:spcPts val="0"/>
-              </a:spcAft>
-              <a:buClr>
-                <a:schemeClr val="lt1"/>
-              </a:buClr>
-              <a:buSzPts val="1000"/>
-              <a:buChar char="●"/>
-            </a:pPr>
-            <a:r>
-              <a:rPr lang="es" sz="1000">
-                <a:solidFill>
-                  <a:schemeClr val="lt1"/>
-                </a:solidFill>
-              </a:rPr>
-              <a:t>Incluye documentación y manual de usuario.</a:t>
-            </a:r>
-            <a:endParaRPr sz="1000">
-              <a:solidFill>
-                <a:schemeClr val="lt1"/>
-              </a:solidFill>
-            </a:endParaRPr>
-          </a:p>
-          <a:p>
-            <a:pPr indent="0" lvl="0" marL="0" rtl="0" algn="l">
-              <a:spcBef>
-                <a:spcPts val="0"/>
-              </a:spcBef>
-              <a:spcAft>
-                <a:spcPts val="0"/>
-              </a:spcAft>
-              <a:buNone/>
-            </a:pPr>
-            <a:r>
-              <a:t/>
-            </a:r>
-            <a:endParaRPr sz="1300">
-              <a:solidFill>
-                <a:schemeClr val="lt1"/>
-              </a:solidFill>
-              <a:latin typeface="Source Sans Pro"/>
-              <a:ea typeface="Source Sans Pro"/>
-              <a:cs typeface="Source Sans Pro"/>
-              <a:sym typeface="Source Sans Pro"/>
-            </a:endParaRPr>
-          </a:p>
-        </p:txBody>
-      </p:sp>
-      <p:sp>
-        <p:nvSpPr>
-          <p:cNvPr id="110" name="Google Shape;110;p17"/>
-          <p:cNvSpPr txBox="1"/>
-          <p:nvPr/>
-        </p:nvSpPr>
-        <p:spPr>
-          <a:xfrm>
-            <a:off x="325250" y="1184825"/>
-            <a:ext cx="2986200" cy="418200"/>
-          </a:xfrm>
-          <a:prstGeom prst="rect">
-            <a:avLst/>
-          </a:prstGeom>
-          <a:noFill/>
-          <a:ln>
-            <a:noFill/>
-          </a:ln>
-        </p:spPr>
-        <p:txBody>
-          <a:bodyPr anchorCtr="0" anchor="t" bIns="91425" lIns="91425" spcFirstLastPara="1" rIns="91425" wrap="square" tIns="91425">
+          <a:bodyPr anchorCtr="0" anchor="ctr" bIns="91425" lIns="91425" spcFirstLastPara="1" rIns="91425" wrap="square" tIns="91425">
             <a:noAutofit/>
           </a:bodyPr>
           <a:lstStyle/>
@@ -11508,293 +10743,9 @@
               <a:buNone/>
             </a:pPr>
             <a:r>
-              <a:rPr b="1" lang="es" sz="1700">
-                <a:solidFill>
-                  <a:schemeClr val="dk2"/>
-                </a:solidFill>
-                <a:latin typeface="Source Sans Pro"/>
-                <a:ea typeface="Source Sans Pro"/>
-                <a:cs typeface="Source Sans Pro"/>
-                <a:sym typeface="Source Sans Pro"/>
-              </a:rPr>
-              <a:t>Que hace el sistema</a:t>
-            </a:r>
-            <a:endParaRPr b="1" sz="1700">
-              <a:solidFill>
-                <a:schemeClr val="dk2"/>
-              </a:solidFill>
-              <a:latin typeface="Source Sans Pro"/>
-              <a:ea typeface="Source Sans Pro"/>
-              <a:cs typeface="Source Sans Pro"/>
-              <a:sym typeface="Source Sans Pro"/>
-            </a:endParaRPr>
-          </a:p>
-        </p:txBody>
-      </p:sp>
-      <p:sp>
-        <p:nvSpPr>
-          <p:cNvPr id="111" name="Google Shape;111;p17"/>
-          <p:cNvSpPr txBox="1"/>
-          <p:nvPr/>
-        </p:nvSpPr>
-        <p:spPr>
-          <a:xfrm>
-            <a:off x="5846100" y="1184825"/>
-            <a:ext cx="2986200" cy="418200"/>
-          </a:xfrm>
-          <a:prstGeom prst="rect">
-            <a:avLst/>
-          </a:prstGeom>
-          <a:noFill/>
-          <a:ln>
-            <a:noFill/>
-          </a:ln>
-        </p:spPr>
-        <p:txBody>
-          <a:bodyPr anchorCtr="0" anchor="t" bIns="91425" lIns="91425" spcFirstLastPara="1" rIns="91425" wrap="square" tIns="91425">
-            <a:noAutofit/>
-          </a:bodyPr>
-          <a:lstStyle/>
-          <a:p>
-            <a:pPr indent="0" lvl="0" marL="0" rtl="0" algn="ctr">
-              <a:spcBef>
-                <a:spcPts val="0"/>
-              </a:spcBef>
-              <a:spcAft>
-                <a:spcPts val="0"/>
-              </a:spcAft>
-              <a:buNone/>
-            </a:pPr>
-            <a:r>
-              <a:rPr b="1" lang="es" sz="1700">
-                <a:solidFill>
-                  <a:schemeClr val="dk2"/>
-                </a:solidFill>
-                <a:latin typeface="Source Sans Pro"/>
-                <a:ea typeface="Source Sans Pro"/>
-                <a:cs typeface="Source Sans Pro"/>
-                <a:sym typeface="Source Sans Pro"/>
-              </a:rPr>
-              <a:t>Qué no hace</a:t>
-            </a:r>
-            <a:endParaRPr b="1" sz="1700">
-              <a:solidFill>
-                <a:schemeClr val="dk2"/>
-              </a:solidFill>
-              <a:latin typeface="Source Sans Pro"/>
-              <a:ea typeface="Source Sans Pro"/>
-              <a:cs typeface="Source Sans Pro"/>
-              <a:sym typeface="Source Sans Pro"/>
-            </a:endParaRPr>
-          </a:p>
-        </p:txBody>
-      </p:sp>
-      <p:sp>
-        <p:nvSpPr>
-          <p:cNvPr id="112" name="Google Shape;112;p17"/>
-          <p:cNvSpPr/>
-          <p:nvPr/>
-        </p:nvSpPr>
-        <p:spPr>
-          <a:xfrm>
-            <a:off x="5846100" y="1603025"/>
-            <a:ext cx="2986200" cy="3353100"/>
-          </a:xfrm>
-          <a:prstGeom prst="roundRect">
-            <a:avLst>
-              <a:gd fmla="val 16667" name="adj"/>
-            </a:avLst>
-          </a:prstGeom>
-          <a:solidFill>
-            <a:srgbClr val="5E81C9"/>
-          </a:solidFill>
-          <a:ln cap="flat" cmpd="sng" w="9525">
-            <a:solidFill>
-              <a:schemeClr val="dk1"/>
-            </a:solidFill>
-            <a:prstDash val="solid"/>
-            <a:round/>
-            <a:headEnd len="sm" w="sm" type="none"/>
-            <a:tailEnd len="sm" w="sm" type="none"/>
-          </a:ln>
-        </p:spPr>
-        <p:txBody>
-          <a:bodyPr anchorCtr="0" anchor="t" bIns="91425" lIns="91425" spcFirstLastPara="1" rIns="91425" wrap="square" tIns="91425">
-            <a:noAutofit/>
-          </a:bodyPr>
-          <a:lstStyle/>
-          <a:p>
-            <a:pPr indent="-292100" lvl="0" marL="457200" marR="0" rtl="0" algn="l">
-              <a:lnSpc>
-                <a:spcPct val="100000"/>
-              </a:lnSpc>
-              <a:spcBef>
-                <a:spcPts val="0"/>
-              </a:spcBef>
-              <a:spcAft>
-                <a:spcPts val="0"/>
-              </a:spcAft>
-              <a:buClr>
-                <a:schemeClr val="lt1"/>
-              </a:buClr>
-              <a:buSzPts val="1000"/>
-              <a:buChar char="●"/>
-            </a:pPr>
-            <a:r>
-              <a:rPr lang="es" sz="1000">
-                <a:solidFill>
-                  <a:schemeClr val="lt1"/>
-                </a:solidFill>
-              </a:rPr>
-              <a:t>No realiza la reparación física de vehículos.</a:t>
-            </a:r>
-            <a:endParaRPr sz="1000">
-              <a:solidFill>
-                <a:schemeClr val="lt1"/>
-              </a:solidFill>
-            </a:endParaRPr>
-          </a:p>
-          <a:p>
-            <a:pPr indent="-292100" lvl="0" marL="457200" marR="0" rtl="0" algn="l">
-              <a:lnSpc>
-                <a:spcPct val="100000"/>
-              </a:lnSpc>
-              <a:spcBef>
-                <a:spcPts val="0"/>
-              </a:spcBef>
-              <a:spcAft>
-                <a:spcPts val="0"/>
-              </a:spcAft>
-              <a:buClr>
-                <a:schemeClr val="lt1"/>
-              </a:buClr>
-              <a:buSzPts val="1000"/>
-              <a:buChar char="●"/>
-            </a:pPr>
-            <a:r>
-              <a:rPr lang="es" sz="1000">
-                <a:solidFill>
-                  <a:schemeClr val="lt1"/>
-                </a:solidFill>
-              </a:rPr>
-              <a:t>No se hace responsable de la calidad final del servicio del taller.</a:t>
-            </a:r>
-            <a:endParaRPr sz="1000">
-              <a:solidFill>
-                <a:schemeClr val="lt1"/>
-              </a:solidFill>
-            </a:endParaRPr>
-          </a:p>
-          <a:p>
-            <a:pPr indent="-292100" lvl="0" marL="457200" marR="0" rtl="0" algn="l">
-              <a:lnSpc>
-                <a:spcPct val="100000"/>
-              </a:lnSpc>
-              <a:spcBef>
-                <a:spcPts val="0"/>
-              </a:spcBef>
-              <a:spcAft>
-                <a:spcPts val="0"/>
-              </a:spcAft>
-              <a:buClr>
-                <a:schemeClr val="lt1"/>
-              </a:buClr>
-              <a:buSzPts val="1000"/>
-              <a:buChar char="●"/>
-            </a:pPr>
-            <a:r>
-              <a:rPr lang="es" sz="1000">
-                <a:solidFill>
-                  <a:schemeClr val="lt1"/>
-                </a:solidFill>
-              </a:rPr>
-              <a:t>No gestiona repuestos ni logística de entrega de productos.</a:t>
-            </a:r>
-            <a:endParaRPr sz="1000">
-              <a:solidFill>
-                <a:schemeClr val="lt1"/>
-              </a:solidFill>
-            </a:endParaRPr>
-          </a:p>
-          <a:p>
-            <a:pPr indent="-292100" lvl="0" marL="457200" marR="0" rtl="0" algn="l">
-              <a:lnSpc>
-                <a:spcPct val="100000"/>
-              </a:lnSpc>
-              <a:spcBef>
-                <a:spcPts val="0"/>
-              </a:spcBef>
-              <a:spcAft>
-                <a:spcPts val="0"/>
-              </a:spcAft>
-              <a:buClr>
-                <a:schemeClr val="lt1"/>
-              </a:buClr>
-              <a:buSzPts val="1000"/>
-              <a:buChar char="●"/>
-            </a:pPr>
-            <a:r>
-              <a:rPr lang="es" sz="1000">
-                <a:solidFill>
-                  <a:schemeClr val="lt1"/>
-                </a:solidFill>
-              </a:rPr>
-              <a:t>No ofrece soporte técnico 24/7 (limitado a horarios definidos).</a:t>
-            </a:r>
-            <a:endParaRPr sz="1000">
-              <a:solidFill>
-                <a:schemeClr val="lt1"/>
-              </a:solidFill>
-            </a:endParaRPr>
-          </a:p>
-          <a:p>
-            <a:pPr indent="-292100" lvl="0" marL="457200" marR="0" rtl="0" algn="l">
-              <a:lnSpc>
-                <a:spcPct val="100000"/>
-              </a:lnSpc>
-              <a:spcBef>
-                <a:spcPts val="0"/>
-              </a:spcBef>
-              <a:spcAft>
-                <a:spcPts val="0"/>
-              </a:spcAft>
-              <a:buClr>
-                <a:schemeClr val="lt1"/>
-              </a:buClr>
-              <a:buSzPts val="1000"/>
-              <a:buChar char="●"/>
-            </a:pPr>
-            <a:r>
-              <a:rPr lang="es" sz="1000">
-                <a:solidFill>
-                  <a:schemeClr val="lt1"/>
-                </a:solidFill>
-              </a:rPr>
-              <a:t>No reemplaza la gestión interna completa de cada taller (solo agenda, reservas y pagos en línea).</a:t>
-            </a:r>
-            <a:endParaRPr sz="1000">
-              <a:solidFill>
-                <a:schemeClr val="lt1"/>
-              </a:solidFill>
-            </a:endParaRPr>
-          </a:p>
-          <a:p>
-            <a:pPr indent="0" lvl="0" marL="0" rtl="0" algn="l">
-              <a:spcBef>
-                <a:spcPts val="0"/>
-              </a:spcBef>
-              <a:spcAft>
-                <a:spcPts val="0"/>
-              </a:spcAft>
-              <a:buNone/>
-            </a:pPr>
-            <a:r>
               <a:t/>
             </a:r>
-            <a:endParaRPr sz="1300">
-              <a:solidFill>
-                <a:schemeClr val="lt1"/>
-              </a:solidFill>
+            <a:endParaRPr>
               <a:latin typeface="Source Sans Pro"/>
               <a:ea typeface="Source Sans Pro"/>
               <a:cs typeface="Source Sans Pro"/>
@@ -11805,7 +10756,7 @@
       </p:sp>
       <p:pic>
         <p:nvPicPr>
-          <p:cNvPr id="113" name="Google Shape;113;p17"/>
+          <p:cNvPr id="110" name="Google Shape;110;p17"/>
           <p:cNvPicPr preferRelativeResize="0"/>
           <p:nvPr/>
         </p:nvPicPr>
@@ -11819,8 +10770,8 @@
         </p:blipFill>
         <p:spPr>
           <a:xfrm>
-            <a:off x="3668350" y="2375925"/>
-            <a:ext cx="1807300" cy="1807300"/>
+            <a:off x="484250" y="1616638"/>
+            <a:ext cx="8175500" cy="1910224"/>
           </a:xfrm>
           <a:prstGeom prst="rect">
             <a:avLst/>
@@ -11844,7 +10795,7 @@
   <p:cSld>
     <p:spTree>
       <p:nvGrpSpPr>
-        <p:cNvPr id="117" name="Shape 117"/>
+        <p:cNvPr id="114" name="Shape 114"/>
         <p:cNvGrpSpPr/>
         <p:nvPr/>
       </p:nvGrpSpPr>
@@ -11858,223 +10809,7 @@
       </p:grpSpPr>
       <p:sp>
         <p:nvSpPr>
-          <p:cNvPr id="118" name="Google Shape;118;p18"/>
-          <p:cNvSpPr txBox="1"/>
-          <p:nvPr>
-            <p:ph type="title"/>
-          </p:nvPr>
-        </p:nvSpPr>
-        <p:spPr>
-          <a:xfrm>
-            <a:off x="311700" y="445025"/>
-            <a:ext cx="8520600" cy="623400"/>
-          </a:xfrm>
-          <a:prstGeom prst="rect">
-            <a:avLst/>
-          </a:prstGeom>
-          <a:solidFill>
-            <a:schemeClr val="dk1"/>
-          </a:solidFill>
-        </p:spPr>
-        <p:txBody>
-          <a:bodyPr anchorCtr="0" anchor="t" bIns="91425" lIns="91425" spcFirstLastPara="1" rIns="91425" wrap="square" tIns="91425">
-            <a:normAutofit fontScale="90000"/>
-          </a:bodyPr>
-          <a:lstStyle/>
-          <a:p>
-            <a:pPr indent="0" lvl="0" marL="0" rtl="0" algn="ctr">
-              <a:spcBef>
-                <a:spcPts val="0"/>
-              </a:spcBef>
-              <a:spcAft>
-                <a:spcPts val="0"/>
-              </a:spcAft>
-              <a:buNone/>
-            </a:pPr>
-            <a:r>
-              <a:rPr lang="es">
-                <a:solidFill>
-                  <a:schemeClr val="lt1"/>
-                </a:solidFill>
-              </a:rPr>
-              <a:t>LISTADO DE REQUERIMIENTOS</a:t>
-            </a:r>
-            <a:endParaRPr>
-              <a:solidFill>
-                <a:schemeClr val="lt1"/>
-              </a:solidFill>
-            </a:endParaRPr>
-          </a:p>
-        </p:txBody>
-      </p:sp>
-      <p:pic>
-        <p:nvPicPr>
-          <p:cNvPr id="119" name="Google Shape;119;p18"/>
-          <p:cNvPicPr preferRelativeResize="0"/>
-          <p:nvPr/>
-        </p:nvPicPr>
-        <p:blipFill>
-          <a:blip r:embed="rId3">
-            <a:alphaModFix/>
-          </a:blip>
-          <a:stretch>
-            <a:fillRect/>
-          </a:stretch>
-        </p:blipFill>
-        <p:spPr>
-          <a:xfrm>
-            <a:off x="1245525" y="1112450"/>
-            <a:ext cx="6652951" cy="1981950"/>
-          </a:xfrm>
-          <a:prstGeom prst="rect">
-            <a:avLst/>
-          </a:prstGeom>
-          <a:noFill/>
-          <a:ln>
-            <a:noFill/>
-          </a:ln>
-        </p:spPr>
-      </p:pic>
-      <p:pic>
-        <p:nvPicPr>
-          <p:cNvPr id="120" name="Google Shape;120;p18"/>
-          <p:cNvPicPr preferRelativeResize="0"/>
-          <p:nvPr/>
-        </p:nvPicPr>
-        <p:blipFill>
-          <a:blip r:embed="rId4">
-            <a:alphaModFix/>
-          </a:blip>
-          <a:stretch>
-            <a:fillRect/>
-          </a:stretch>
-        </p:blipFill>
-        <p:spPr>
-          <a:xfrm>
-            <a:off x="1245525" y="3094400"/>
-            <a:ext cx="6652949" cy="1526567"/>
-          </a:xfrm>
-          <a:prstGeom prst="rect">
-            <a:avLst/>
-          </a:prstGeom>
-          <a:noFill/>
-          <a:ln>
-            <a:noFill/>
-          </a:ln>
-        </p:spPr>
-      </p:pic>
-      <p:sp>
-        <p:nvSpPr>
-          <p:cNvPr id="121" name="Google Shape;121;p18"/>
-          <p:cNvSpPr txBox="1"/>
-          <p:nvPr/>
-        </p:nvSpPr>
-        <p:spPr>
-          <a:xfrm>
-            <a:off x="3781425" y="4676775"/>
-            <a:ext cx="5305500" cy="581100"/>
-          </a:xfrm>
-          <a:prstGeom prst="rect">
-            <a:avLst/>
-          </a:prstGeom>
-          <a:noFill/>
-          <a:ln>
-            <a:noFill/>
-          </a:ln>
-        </p:spPr>
-        <p:txBody>
-          <a:bodyPr anchorCtr="0" anchor="t" bIns="91425" lIns="91425" spcFirstLastPara="1" rIns="91425" wrap="square" tIns="91425">
-            <a:noAutofit/>
-          </a:bodyPr>
-          <a:lstStyle/>
-          <a:p>
-            <a:pPr indent="0" lvl="0" marL="0" rtl="0" algn="r">
-              <a:spcBef>
-                <a:spcPts val="0"/>
-              </a:spcBef>
-              <a:spcAft>
-                <a:spcPts val="0"/>
-              </a:spcAft>
-              <a:buNone/>
-            </a:pPr>
-            <a:r>
-              <a:rPr lang="es" sz="1900" u="sng">
-                <a:solidFill>
-                  <a:schemeClr val="dk1"/>
-                </a:solidFill>
-                <a:latin typeface="Source Sans Pro"/>
-                <a:ea typeface="Source Sans Pro"/>
-                <a:cs typeface="Source Sans Pro"/>
-                <a:sym typeface="Source Sans Pro"/>
-                <a:hlinkClick r:id="rId5">
-                  <a:extLst>
-                    <a:ext uri="{A12FA001-AC4F-418D-AE19-62706E023703}">
-                      <ahyp:hlinkClr val="tx"/>
-                    </a:ext>
-                  </a:extLst>
-                </a:hlinkClick>
-              </a:rPr>
-              <a:t>Planilla de </a:t>
-            </a:r>
-            <a:r>
-              <a:rPr lang="es" sz="1900" u="sng">
-                <a:solidFill>
-                  <a:schemeClr val="dk1"/>
-                </a:solidFill>
-                <a:latin typeface="Source Sans Pro"/>
-                <a:ea typeface="Source Sans Pro"/>
-                <a:cs typeface="Source Sans Pro"/>
-                <a:sym typeface="Source Sans Pro"/>
-                <a:hlinkClick r:id="rId6">
-                  <a:extLst>
-                    <a:ext uri="{A12FA001-AC4F-418D-AE19-62706E023703}">
-                      <ahyp:hlinkClr val="tx"/>
-                    </a:ext>
-                  </a:extLst>
-                </a:hlinkClick>
-              </a:rPr>
-              <a:t>requerimientos</a:t>
-            </a:r>
-            <a:endParaRPr sz="1900">
-              <a:solidFill>
-                <a:schemeClr val="dk1"/>
-              </a:solidFill>
-              <a:latin typeface="Source Sans Pro"/>
-              <a:ea typeface="Source Sans Pro"/>
-              <a:cs typeface="Source Sans Pro"/>
-              <a:sym typeface="Source Sans Pro"/>
-            </a:endParaRPr>
-          </a:p>
-        </p:txBody>
-      </p:sp>
-    </p:spTree>
-  </p:cSld>
-  <p:clrMapOvr>
-    <a:masterClrMapping/>
-  </p:clrMapOvr>
-</p:sld>
-</file>
-
-<file path=ppt/slides/slide7.xml><?xml version="1.0" encoding="utf-8"?>
-<p:sld xmlns:a="http://schemas.openxmlformats.org/drawingml/2006/main" xmlns:r="http://schemas.openxmlformats.org/officeDocument/2006/relationships" xmlns:mc="http://schemas.openxmlformats.org/markup-compatibility/2006" xmlns:mv="urn:schemas-microsoft-com:mac:vml" xmlns:p="http://schemas.openxmlformats.org/presentationml/2006/main" xmlns:c="http://schemas.openxmlformats.org/drawingml/2006/chart" xmlns:dgm="http://schemas.openxmlformats.org/drawingml/2006/diagram" xmlns:o="urn:schemas-microsoft-com:office:office" xmlns:v="urn:schemas-microsoft-com:vml" xmlns:pvml="urn:schemas-microsoft-com:office:powerpoint" xmlns:com="http://schemas.openxmlformats.org/drawingml/2006/compatibility" xmlns:p14="http://schemas.microsoft.com/office/powerpoint/2010/main" xmlns:p15="http://schemas.microsoft.com/office/powerpoint/2012/main" xmlns:ahyp="http://schemas.microsoft.com/office/drawing/2018/hyperlinkcolor">
-  <p:cSld>
-    <p:spTree>
-      <p:nvGrpSpPr>
-        <p:cNvPr id="125" name="Shape 125"/>
-        <p:cNvGrpSpPr/>
-        <p:nvPr/>
-      </p:nvGrpSpPr>
-      <p:grpSpPr>
-        <a:xfrm>
-          <a:off x="0" y="0"/>
-          <a:ext cx="0" cy="0"/>
-          <a:chOff x="0" y="0"/>
-          <a:chExt cx="0" cy="0"/>
-        </a:xfrm>
-      </p:grpSpPr>
-      <p:sp>
-        <p:nvSpPr>
-          <p:cNvPr id="126" name="Google Shape;126;p19"/>
+          <p:cNvPr id="115" name="Google Shape;115;p18"/>
           <p:cNvSpPr txBox="1"/>
           <p:nvPr>
             <p:ph type="title"/>
@@ -12125,7 +10860,7 @@
       </p:sp>
       <p:pic>
         <p:nvPicPr>
-          <p:cNvPr id="127" name="Google Shape;127;p19" title="image.png"/>
+          <p:cNvPr id="116" name="Google Shape;116;p18" title="image.png"/>
           <p:cNvPicPr preferRelativeResize="0"/>
           <p:nvPr/>
         </p:nvPicPr>
@@ -12159,12 +10894,12 @@
 </p:sld>
 </file>
 
-<file path=ppt/slides/slide8.xml><?xml version="1.0" encoding="utf-8"?>
+<file path=ppt/slides/slide7.xml><?xml version="1.0" encoding="utf-8"?>
 <p:sld xmlns:a="http://schemas.openxmlformats.org/drawingml/2006/main" xmlns:r="http://schemas.openxmlformats.org/officeDocument/2006/relationships" xmlns:mc="http://schemas.openxmlformats.org/markup-compatibility/2006" xmlns:mv="urn:schemas-microsoft-com:mac:vml" xmlns:p="http://schemas.openxmlformats.org/presentationml/2006/main" xmlns:c="http://schemas.openxmlformats.org/drawingml/2006/chart" xmlns:dgm="http://schemas.openxmlformats.org/drawingml/2006/diagram" xmlns:o="urn:schemas-microsoft-com:office:office" xmlns:v="urn:schemas-microsoft-com:vml" xmlns:pvml="urn:schemas-microsoft-com:office:powerpoint" xmlns:com="http://schemas.openxmlformats.org/drawingml/2006/compatibility" xmlns:p14="http://schemas.microsoft.com/office/powerpoint/2010/main" xmlns:p15="http://schemas.microsoft.com/office/powerpoint/2012/main" xmlns:ahyp="http://schemas.microsoft.com/office/drawing/2018/hyperlinkcolor">
   <p:cSld>
     <p:spTree>
       <p:nvGrpSpPr>
-        <p:cNvPr id="131" name="Shape 131"/>
+        <p:cNvPr id="120" name="Shape 120"/>
         <p:cNvGrpSpPr/>
         <p:nvPr/>
       </p:nvGrpSpPr>
@@ -12178,7 +10913,7 @@
       </p:grpSpPr>
       <p:sp>
         <p:nvSpPr>
-          <p:cNvPr id="132" name="Google Shape;132;p20"/>
+          <p:cNvPr id="121" name="Google Shape;121;p19"/>
           <p:cNvSpPr txBox="1"/>
           <p:nvPr>
             <p:ph type="title"/>
@@ -12229,7 +10964,7 @@
       </p:sp>
       <p:pic>
         <p:nvPicPr>
-          <p:cNvPr id="133" name="Google Shape;133;p20"/>
+          <p:cNvPr id="122" name="Google Shape;122;p19"/>
           <p:cNvPicPr preferRelativeResize="0"/>
           <p:nvPr/>
         </p:nvPicPr>
@@ -12263,12 +10998,12 @@
 </p:sld>
 </file>
 
-<file path=ppt/slides/slide9.xml><?xml version="1.0" encoding="utf-8"?>
+<file path=ppt/slides/slide8.xml><?xml version="1.0" encoding="utf-8"?>
 <p:sld xmlns:a="http://schemas.openxmlformats.org/drawingml/2006/main" xmlns:r="http://schemas.openxmlformats.org/officeDocument/2006/relationships" xmlns:mc="http://schemas.openxmlformats.org/markup-compatibility/2006" xmlns:mv="urn:schemas-microsoft-com:mac:vml" xmlns:p="http://schemas.openxmlformats.org/presentationml/2006/main" xmlns:c="http://schemas.openxmlformats.org/drawingml/2006/chart" xmlns:dgm="http://schemas.openxmlformats.org/drawingml/2006/diagram" xmlns:o="urn:schemas-microsoft-com:office:office" xmlns:v="urn:schemas-microsoft-com:vml" xmlns:pvml="urn:schemas-microsoft-com:office:powerpoint" xmlns:com="http://schemas.openxmlformats.org/drawingml/2006/compatibility" xmlns:p14="http://schemas.microsoft.com/office/powerpoint/2010/main" xmlns:p15="http://schemas.microsoft.com/office/powerpoint/2012/main" xmlns:ahyp="http://schemas.microsoft.com/office/drawing/2018/hyperlinkcolor">
   <p:cSld>
     <p:spTree>
       <p:nvGrpSpPr>
-        <p:cNvPr id="137" name="Shape 137"/>
+        <p:cNvPr id="126" name="Shape 126"/>
         <p:cNvGrpSpPr/>
         <p:nvPr/>
       </p:nvGrpSpPr>
@@ -12282,7 +11017,7 @@
       </p:grpSpPr>
       <p:sp>
         <p:nvSpPr>
-          <p:cNvPr id="138" name="Google Shape;138;p21"/>
+          <p:cNvPr id="127" name="Google Shape;127;p20"/>
           <p:cNvSpPr txBox="1"/>
           <p:nvPr>
             <p:ph type="title"/>
@@ -12321,12 +11056,446 @@
                   <a:schemeClr val="lt1"/>
                 </a:solidFill>
               </a:rPr>
-              <a:t>ARQUITECTURA DEL SISTEMA</a:t>
+              <a:t>PATRÓN </a:t>
+            </a:r>
+            <a:r>
+              <a:rPr lang="es">
+                <a:solidFill>
+                  <a:schemeClr val="lt1"/>
+                </a:solidFill>
+              </a:rPr>
+              <a:t>ARQUITECTÓNICO</a:t>
+            </a:r>
+            <a:r>
+              <a:rPr lang="es">
+                <a:solidFill>
+                  <a:schemeClr val="lt1"/>
+                </a:solidFill>
+              </a:rPr>
+              <a:t> Y VISTA FÍSICA</a:t>
             </a:r>
             <a:endParaRPr>
               <a:solidFill>
                 <a:schemeClr val="lt1"/>
               </a:solidFill>
+            </a:endParaRPr>
+          </a:p>
+        </p:txBody>
+      </p:sp>
+      <p:sp>
+        <p:nvSpPr>
+          <p:cNvPr id="128" name="Google Shape;128;p20"/>
+          <p:cNvSpPr txBox="1"/>
+          <p:nvPr/>
+        </p:nvSpPr>
+        <p:spPr>
+          <a:xfrm>
+            <a:off x="202625" y="1246900"/>
+            <a:ext cx="4325100" cy="4395300"/>
+          </a:xfrm>
+          <a:prstGeom prst="rect">
+            <a:avLst/>
+          </a:prstGeom>
+          <a:noFill/>
+          <a:ln>
+            <a:noFill/>
+          </a:ln>
+        </p:spPr>
+        <p:txBody>
+          <a:bodyPr anchorCtr="0" anchor="t" bIns="91425" lIns="91425" spcFirstLastPara="1" rIns="91425" wrap="square" tIns="91425">
+            <a:noAutofit/>
+          </a:bodyPr>
+          <a:lstStyle/>
+          <a:p>
+            <a:pPr indent="0" lvl="0" marL="0" rtl="0" algn="l">
+              <a:lnSpc>
+                <a:spcPct val="115000"/>
+              </a:lnSpc>
+              <a:spcBef>
+                <a:spcPts val="1200"/>
+              </a:spcBef>
+              <a:spcAft>
+                <a:spcPts val="0"/>
+              </a:spcAft>
+              <a:buClr>
+                <a:schemeClr val="dk2"/>
+              </a:buClr>
+              <a:buSzPts val="1100"/>
+              <a:buFont typeface="Arial"/>
+              <a:buNone/>
+            </a:pPr>
+            <a:r>
+              <a:rPr b="1" lang="es" sz="1100" u="sng">
+                <a:solidFill>
+                  <a:schemeClr val="dk2"/>
+                </a:solidFill>
+              </a:rPr>
+              <a:t>Patrón Arquitectónico MVC</a:t>
+            </a:r>
+            <a:br>
+              <a:rPr b="1" lang="es" sz="1100">
+                <a:solidFill>
+                  <a:schemeClr val="dk2"/>
+                </a:solidFill>
+              </a:rPr>
+            </a:br>
+            <a:r>
+              <a:rPr lang="es" sz="1000">
+                <a:solidFill>
+                  <a:schemeClr val="dk2"/>
+                </a:solidFill>
+              </a:rPr>
+              <a:t> El proyecto FixSpot sigue el patrón arquitectónico Modelo-Vista-Controlador (MVC), lo que permite una clara separación de responsabilidades en el sistema.</a:t>
+            </a:r>
+            <a:endParaRPr sz="1000">
+              <a:solidFill>
+                <a:schemeClr val="dk2"/>
+              </a:solidFill>
+            </a:endParaRPr>
+          </a:p>
+          <a:p>
+            <a:pPr indent="-292100" lvl="0" marL="457200" rtl="0" algn="l">
+              <a:lnSpc>
+                <a:spcPct val="115000"/>
+              </a:lnSpc>
+              <a:spcBef>
+                <a:spcPts val="1200"/>
+              </a:spcBef>
+              <a:spcAft>
+                <a:spcPts val="0"/>
+              </a:spcAft>
+              <a:buClr>
+                <a:schemeClr val="dk2"/>
+              </a:buClr>
+              <a:buSzPts val="1000"/>
+              <a:buChar char="●"/>
+            </a:pPr>
+            <a:r>
+              <a:rPr lang="es" sz="1000">
+                <a:solidFill>
+                  <a:schemeClr val="dk2"/>
+                </a:solidFill>
+              </a:rPr>
+              <a:t>Modelo: Gestiona los datos y la lógica de negocio, interactuando con la base de datos MySQL a través de Django ORM.</a:t>
+            </a:r>
+            <a:endParaRPr sz="1000">
+              <a:solidFill>
+                <a:schemeClr val="dk2"/>
+              </a:solidFill>
+            </a:endParaRPr>
+          </a:p>
+          <a:p>
+            <a:pPr indent="-292100" lvl="0" marL="457200" rtl="0" algn="l">
+              <a:lnSpc>
+                <a:spcPct val="115000"/>
+              </a:lnSpc>
+              <a:spcBef>
+                <a:spcPts val="0"/>
+              </a:spcBef>
+              <a:spcAft>
+                <a:spcPts val="0"/>
+              </a:spcAft>
+              <a:buClr>
+                <a:schemeClr val="dk2"/>
+              </a:buClr>
+              <a:buSzPts val="1000"/>
+              <a:buChar char="●"/>
+            </a:pPr>
+            <a:r>
+              <a:rPr lang="es" sz="1000">
+                <a:solidFill>
+                  <a:schemeClr val="dk2"/>
+                </a:solidFill>
+              </a:rPr>
+              <a:t>Vista: Se encarga de la presentación, generando las interfaces de usuario en el navegador mediante HTML y templates.</a:t>
+            </a:r>
+            <a:endParaRPr sz="1000">
+              <a:solidFill>
+                <a:schemeClr val="dk2"/>
+              </a:solidFill>
+            </a:endParaRPr>
+          </a:p>
+          <a:p>
+            <a:pPr indent="-292100" lvl="0" marL="457200" rtl="0" algn="l">
+              <a:lnSpc>
+                <a:spcPct val="115000"/>
+              </a:lnSpc>
+              <a:spcBef>
+                <a:spcPts val="0"/>
+              </a:spcBef>
+              <a:spcAft>
+                <a:spcPts val="0"/>
+              </a:spcAft>
+              <a:buClr>
+                <a:schemeClr val="dk2"/>
+              </a:buClr>
+              <a:buSzPts val="1000"/>
+              <a:buChar char="●"/>
+            </a:pPr>
+            <a:r>
+              <a:rPr lang="es" sz="1000">
+                <a:solidFill>
+                  <a:schemeClr val="dk2"/>
+                </a:solidFill>
+              </a:rPr>
+              <a:t>Controlador: Maneja las peticiones del usuario, procesa la lógica y selecciona la vista adecuada. En el caso de la API, los controladores son los endpoints REST que gestionan las solicitudes y respuestas entre la aplicación web, la app de escritorio y el backend.</a:t>
+            </a:r>
+            <a:endParaRPr sz="1000">
+              <a:solidFill>
+                <a:schemeClr val="dk2"/>
+              </a:solidFill>
+            </a:endParaRPr>
+          </a:p>
+          <a:p>
+            <a:pPr indent="0" lvl="0" marL="0" rtl="0" algn="l">
+              <a:lnSpc>
+                <a:spcPct val="115000"/>
+              </a:lnSpc>
+              <a:spcBef>
+                <a:spcPts val="1200"/>
+              </a:spcBef>
+              <a:spcAft>
+                <a:spcPts val="0"/>
+              </a:spcAft>
+              <a:buClr>
+                <a:schemeClr val="dk2"/>
+              </a:buClr>
+              <a:buSzPts val="1100"/>
+              <a:buFont typeface="Arial"/>
+              <a:buNone/>
+            </a:pPr>
+            <a:r>
+              <a:rPr lang="es" sz="1000">
+                <a:solidFill>
+                  <a:schemeClr val="dk2"/>
+                </a:solidFill>
+              </a:rPr>
+              <a:t>Este patrón facilita el mantenimiento y escalabilidad del proyecto, permitiendo un desarrollo más modular y organizado.</a:t>
+            </a:r>
+            <a:endParaRPr sz="1000">
+              <a:solidFill>
+                <a:schemeClr val="dk2"/>
+              </a:solidFill>
+            </a:endParaRPr>
+          </a:p>
+          <a:p>
+            <a:pPr indent="0" lvl="0" marL="0" rtl="0" algn="l">
+              <a:spcBef>
+                <a:spcPts val="1200"/>
+              </a:spcBef>
+              <a:spcAft>
+                <a:spcPts val="0"/>
+              </a:spcAft>
+              <a:buNone/>
+            </a:pPr>
+            <a:r>
+              <a:t/>
+            </a:r>
+            <a:endParaRPr sz="1800">
+              <a:solidFill>
+                <a:schemeClr val="lt2"/>
+              </a:solidFill>
+              <a:latin typeface="Source Sans Pro"/>
+              <a:ea typeface="Source Sans Pro"/>
+              <a:cs typeface="Source Sans Pro"/>
+              <a:sym typeface="Source Sans Pro"/>
+            </a:endParaRPr>
+          </a:p>
+        </p:txBody>
+      </p:sp>
+      <p:pic>
+        <p:nvPicPr>
+          <p:cNvPr id="129" name="Google Shape;129;p20"/>
+          <p:cNvPicPr preferRelativeResize="0"/>
+          <p:nvPr/>
+        </p:nvPicPr>
+        <p:blipFill>
+          <a:blip r:embed="rId3">
+            <a:alphaModFix/>
+          </a:blip>
+          <a:stretch>
+            <a:fillRect/>
+          </a:stretch>
+        </p:blipFill>
+        <p:spPr>
+          <a:xfrm>
+            <a:off x="4987260" y="1184575"/>
+            <a:ext cx="3812115" cy="3800475"/>
+          </a:xfrm>
+          <a:prstGeom prst="rect">
+            <a:avLst/>
+          </a:prstGeom>
+          <a:noFill/>
+          <a:ln>
+            <a:noFill/>
+          </a:ln>
+        </p:spPr>
+      </p:pic>
+    </p:spTree>
+  </p:cSld>
+  <p:clrMapOvr>
+    <a:masterClrMapping/>
+  </p:clrMapOvr>
+</p:sld>
+</file>
+
+<file path=ppt/slides/slide9.xml><?xml version="1.0" encoding="utf-8"?>
+<p:sld xmlns:a="http://schemas.openxmlformats.org/drawingml/2006/main" xmlns:r="http://schemas.openxmlformats.org/officeDocument/2006/relationships" xmlns:mc="http://schemas.openxmlformats.org/markup-compatibility/2006" xmlns:mv="urn:schemas-microsoft-com:mac:vml" xmlns:p="http://schemas.openxmlformats.org/presentationml/2006/main" xmlns:c="http://schemas.openxmlformats.org/drawingml/2006/chart" xmlns:dgm="http://schemas.openxmlformats.org/drawingml/2006/diagram" xmlns:o="urn:schemas-microsoft-com:office:office" xmlns:v="urn:schemas-microsoft-com:vml" xmlns:pvml="urn:schemas-microsoft-com:office:powerpoint" xmlns:com="http://schemas.openxmlformats.org/drawingml/2006/compatibility" xmlns:p14="http://schemas.microsoft.com/office/powerpoint/2010/main" xmlns:p15="http://schemas.microsoft.com/office/powerpoint/2012/main" xmlns:ahyp="http://schemas.microsoft.com/office/drawing/2018/hyperlinkcolor">
+  <p:cSld>
+    <p:spTree>
+      <p:nvGrpSpPr>
+        <p:cNvPr id="133" name="Shape 133"/>
+        <p:cNvGrpSpPr/>
+        <p:nvPr/>
+      </p:nvGrpSpPr>
+      <p:grpSpPr>
+        <a:xfrm>
+          <a:off x="0" y="0"/>
+          <a:ext cx="0" cy="0"/>
+          <a:chOff x="0" y="0"/>
+          <a:chExt cx="0" cy="0"/>
+        </a:xfrm>
+      </p:grpSpPr>
+      <p:sp>
+        <p:nvSpPr>
+          <p:cNvPr id="134" name="Google Shape;134;p21"/>
+          <p:cNvSpPr txBox="1"/>
+          <p:nvPr>
+            <p:ph type="title"/>
+          </p:nvPr>
+        </p:nvSpPr>
+        <p:spPr>
+          <a:xfrm>
+            <a:off x="342875" y="78750"/>
+            <a:ext cx="8520600" cy="623400"/>
+          </a:xfrm>
+          <a:prstGeom prst="rect">
+            <a:avLst/>
+          </a:prstGeom>
+          <a:solidFill>
+            <a:schemeClr val="dk1"/>
+          </a:solidFill>
+        </p:spPr>
+        <p:txBody>
+          <a:bodyPr anchorCtr="0" anchor="t" bIns="91425" lIns="91425" spcFirstLastPara="1" rIns="91425" wrap="square" tIns="91425">
+            <a:normAutofit fontScale="90000"/>
+          </a:bodyPr>
+          <a:lstStyle/>
+          <a:p>
+            <a:pPr indent="0" lvl="0" marL="0" rtl="0" algn="ctr">
+              <a:spcBef>
+                <a:spcPts val="0"/>
+              </a:spcBef>
+              <a:spcAft>
+                <a:spcPts val="0"/>
+              </a:spcAft>
+              <a:buNone/>
+            </a:pPr>
+            <a:r>
+              <a:rPr lang="es">
+                <a:solidFill>
+                  <a:schemeClr val="lt1"/>
+                </a:solidFill>
+              </a:rPr>
+              <a:t>ARQUITECTURA DEL SISTEMA (TO-BE)</a:t>
+            </a:r>
+            <a:endParaRPr>
+              <a:solidFill>
+                <a:schemeClr val="lt1"/>
+              </a:solidFill>
+            </a:endParaRPr>
+          </a:p>
+        </p:txBody>
+      </p:sp>
+      <p:pic>
+        <p:nvPicPr>
+          <p:cNvPr id="135" name="Google Shape;135;p21"/>
+          <p:cNvPicPr preferRelativeResize="0"/>
+          <p:nvPr/>
+        </p:nvPicPr>
+        <p:blipFill>
+          <a:blip r:embed="rId3">
+            <a:alphaModFix/>
+          </a:blip>
+          <a:stretch>
+            <a:fillRect/>
+          </a:stretch>
+        </p:blipFill>
+        <p:spPr>
+          <a:xfrm>
+            <a:off x="1253800" y="1081888"/>
+            <a:ext cx="6698726" cy="2979726"/>
+          </a:xfrm>
+          <a:prstGeom prst="rect">
+            <a:avLst/>
+          </a:prstGeom>
+          <a:noFill/>
+          <a:ln>
+            <a:noFill/>
+          </a:ln>
+        </p:spPr>
+      </p:pic>
+      <p:sp>
+        <p:nvSpPr>
+          <p:cNvPr id="136" name="Google Shape;136;p21"/>
+          <p:cNvSpPr txBox="1"/>
+          <p:nvPr/>
+        </p:nvSpPr>
+        <p:spPr>
+          <a:xfrm>
+            <a:off x="116900" y="4473275"/>
+            <a:ext cx="3990000" cy="491100"/>
+          </a:xfrm>
+          <a:prstGeom prst="rect">
+            <a:avLst/>
+          </a:prstGeom>
+          <a:noFill/>
+          <a:ln>
+            <a:noFill/>
+          </a:ln>
+        </p:spPr>
+        <p:txBody>
+          <a:bodyPr anchorCtr="0" anchor="t" bIns="91425" lIns="91425" spcFirstLastPara="1" rIns="91425" wrap="square" tIns="91425">
+            <a:noAutofit/>
+          </a:bodyPr>
+          <a:lstStyle/>
+          <a:p>
+            <a:pPr indent="0" lvl="0" marL="0" rtl="0" algn="l">
+              <a:spcBef>
+                <a:spcPts val="0"/>
+              </a:spcBef>
+              <a:spcAft>
+                <a:spcPts val="0"/>
+              </a:spcAft>
+              <a:buNone/>
+            </a:pPr>
+            <a:r>
+              <a:rPr b="1" lang="es" sz="1800" u="sng">
+                <a:solidFill>
+                  <a:schemeClr val="dk1"/>
+                </a:solidFill>
+                <a:latin typeface="Source Sans Pro"/>
+                <a:ea typeface="Source Sans Pro"/>
+                <a:cs typeface="Source Sans Pro"/>
+                <a:sym typeface="Source Sans Pro"/>
+                <a:hlinkClick r:id="rId4">
+                  <a:extLst>
+                    <a:ext uri="{A12FA001-AC4F-418D-AE19-62706E023703}">
+                      <ahyp:hlinkClr val="tx"/>
+                    </a:ext>
+                  </a:extLst>
+                </a:hlinkClick>
+              </a:rPr>
+              <a:t>Proceso de negocio</a:t>
+            </a:r>
+            <a:endParaRPr b="1" sz="1800">
+              <a:solidFill>
+                <a:schemeClr val="dk1"/>
+              </a:solidFill>
+              <a:latin typeface="Source Sans Pro"/>
+              <a:ea typeface="Source Sans Pro"/>
+              <a:cs typeface="Source Sans Pro"/>
+              <a:sym typeface="Source Sans Pro"/>
             </a:endParaRPr>
           </a:p>
         </p:txBody>
